--- a/RekomendacjaFilmu.pptx
+++ b/RekomendacjaFilmu.pptx
@@ -6,29 +6,28 @@
   </p:sldMasterIdLst>
   <p:sldIdLst>
     <p:sldId id="256" r:id="rId2"/>
-    <p:sldId id="257" r:id="rId3"/>
-    <p:sldId id="258" r:id="rId4"/>
-    <p:sldId id="259" r:id="rId5"/>
-    <p:sldId id="261" r:id="rId6"/>
-    <p:sldId id="262" r:id="rId7"/>
-    <p:sldId id="263" r:id="rId8"/>
-    <p:sldId id="265" r:id="rId9"/>
-    <p:sldId id="267" r:id="rId10"/>
-    <p:sldId id="268" r:id="rId11"/>
-    <p:sldId id="269" r:id="rId12"/>
-    <p:sldId id="270" r:id="rId13"/>
-    <p:sldId id="271" r:id="rId14"/>
-    <p:sldId id="274" r:id="rId15"/>
-    <p:sldId id="272" r:id="rId16"/>
-    <p:sldId id="273" r:id="rId17"/>
-    <p:sldId id="275" r:id="rId18"/>
-    <p:sldId id="278" r:id="rId19"/>
-    <p:sldId id="279" r:id="rId20"/>
-    <p:sldId id="280" r:id="rId21"/>
-    <p:sldId id="282" r:id="rId22"/>
-    <p:sldId id="283" r:id="rId23"/>
-    <p:sldId id="281" r:id="rId24"/>
-    <p:sldId id="285" r:id="rId25"/>
+    <p:sldId id="258" r:id="rId3"/>
+    <p:sldId id="259" r:id="rId4"/>
+    <p:sldId id="261" r:id="rId5"/>
+    <p:sldId id="262" r:id="rId6"/>
+    <p:sldId id="263" r:id="rId7"/>
+    <p:sldId id="265" r:id="rId8"/>
+    <p:sldId id="267" r:id="rId9"/>
+    <p:sldId id="268" r:id="rId10"/>
+    <p:sldId id="269" r:id="rId11"/>
+    <p:sldId id="270" r:id="rId12"/>
+    <p:sldId id="271" r:id="rId13"/>
+    <p:sldId id="274" r:id="rId14"/>
+    <p:sldId id="272" r:id="rId15"/>
+    <p:sldId id="273" r:id="rId16"/>
+    <p:sldId id="275" r:id="rId17"/>
+    <p:sldId id="278" r:id="rId18"/>
+    <p:sldId id="279" r:id="rId19"/>
+    <p:sldId id="280" r:id="rId20"/>
+    <p:sldId id="282" r:id="rId21"/>
+    <p:sldId id="283" r:id="rId22"/>
+    <p:sldId id="281" r:id="rId23"/>
+    <p:sldId id="285" r:id="rId24"/>
   </p:sldIdLst>
   <p:sldSz cx="12192000" cy="6858000"/>
   <p:notesSz cx="6858000" cy="9144000"/>
@@ -127,6 +126,11 @@
       </a:defRPr>
     </a:lvl9pPr>
   </p:defaultTextStyle>
+  <p:extLst>
+    <p:ext uri="{EFAFB233-063F-42B5-8137-9DF3F51BA10A}">
+      <p15:sldGuideLst xmlns:p15="http://schemas.microsoft.com/office/powerpoint/2012/main"/>
+    </p:ext>
+  </p:extLst>
 </p:presentation>
 </file>
 
@@ -277,7 +281,7 @@
           <a:p>
             <a:fld id="{19F91961-6ECD-4DFD-86DE-60B2ACD9B799}" type="datetimeFigureOut">
               <a:rPr lang="pl-PL" smtClean="0"/>
-              <a:t>03.12.2023</a:t>
+              <a:t>05.12.2023</a:t>
             </a:fld>
             <a:endParaRPr lang="pl-PL"/>
           </a:p>
@@ -475,7 +479,7 @@
           <a:p>
             <a:fld id="{19F91961-6ECD-4DFD-86DE-60B2ACD9B799}" type="datetimeFigureOut">
               <a:rPr lang="pl-PL" smtClean="0"/>
-              <a:t>03.12.2023</a:t>
+              <a:t>05.12.2023</a:t>
             </a:fld>
             <a:endParaRPr lang="pl-PL"/>
           </a:p>
@@ -683,7 +687,7 @@
           <a:p>
             <a:fld id="{19F91961-6ECD-4DFD-86DE-60B2ACD9B799}" type="datetimeFigureOut">
               <a:rPr lang="pl-PL" smtClean="0"/>
-              <a:t>03.12.2023</a:t>
+              <a:t>05.12.2023</a:t>
             </a:fld>
             <a:endParaRPr lang="pl-PL"/>
           </a:p>
@@ -881,7 +885,7 @@
           <a:p>
             <a:fld id="{19F91961-6ECD-4DFD-86DE-60B2ACD9B799}" type="datetimeFigureOut">
               <a:rPr lang="pl-PL" smtClean="0"/>
-              <a:t>03.12.2023</a:t>
+              <a:t>05.12.2023</a:t>
             </a:fld>
             <a:endParaRPr lang="pl-PL"/>
           </a:p>
@@ -1156,7 +1160,7 @@
           <a:p>
             <a:fld id="{19F91961-6ECD-4DFD-86DE-60B2ACD9B799}" type="datetimeFigureOut">
               <a:rPr lang="pl-PL" smtClean="0"/>
-              <a:t>03.12.2023</a:t>
+              <a:t>05.12.2023</a:t>
             </a:fld>
             <a:endParaRPr lang="pl-PL"/>
           </a:p>
@@ -1421,7 +1425,7 @@
           <a:p>
             <a:fld id="{19F91961-6ECD-4DFD-86DE-60B2ACD9B799}" type="datetimeFigureOut">
               <a:rPr lang="pl-PL" smtClean="0"/>
-              <a:t>03.12.2023</a:t>
+              <a:t>05.12.2023</a:t>
             </a:fld>
             <a:endParaRPr lang="pl-PL"/>
           </a:p>
@@ -1833,7 +1837,7 @@
           <a:p>
             <a:fld id="{19F91961-6ECD-4DFD-86DE-60B2ACD9B799}" type="datetimeFigureOut">
               <a:rPr lang="pl-PL" smtClean="0"/>
-              <a:t>03.12.2023</a:t>
+              <a:t>05.12.2023</a:t>
             </a:fld>
             <a:endParaRPr lang="pl-PL"/>
           </a:p>
@@ -1974,7 +1978,7 @@
           <a:p>
             <a:fld id="{19F91961-6ECD-4DFD-86DE-60B2ACD9B799}" type="datetimeFigureOut">
               <a:rPr lang="pl-PL" smtClean="0"/>
-              <a:t>03.12.2023</a:t>
+              <a:t>05.12.2023</a:t>
             </a:fld>
             <a:endParaRPr lang="pl-PL"/>
           </a:p>
@@ -2087,7 +2091,7 @@
           <a:p>
             <a:fld id="{19F91961-6ECD-4DFD-86DE-60B2ACD9B799}" type="datetimeFigureOut">
               <a:rPr lang="pl-PL" smtClean="0"/>
-              <a:t>03.12.2023</a:t>
+              <a:t>05.12.2023</a:t>
             </a:fld>
             <a:endParaRPr lang="pl-PL"/>
           </a:p>
@@ -2398,7 +2402,7 @@
           <a:p>
             <a:fld id="{19F91961-6ECD-4DFD-86DE-60B2ACD9B799}" type="datetimeFigureOut">
               <a:rPr lang="pl-PL" smtClean="0"/>
-              <a:t>03.12.2023</a:t>
+              <a:t>05.12.2023</a:t>
             </a:fld>
             <a:endParaRPr lang="pl-PL"/>
           </a:p>
@@ -2686,7 +2690,7 @@
           <a:p>
             <a:fld id="{19F91961-6ECD-4DFD-86DE-60B2ACD9B799}" type="datetimeFigureOut">
               <a:rPr lang="pl-PL" smtClean="0"/>
-              <a:t>03.12.2023</a:t>
+              <a:t>05.12.2023</a:t>
             </a:fld>
             <a:endParaRPr lang="pl-PL"/>
           </a:p>
@@ -2927,7 +2931,7 @@
           <a:p>
             <a:fld id="{19F91961-6ECD-4DFD-86DE-60B2ACD9B799}" type="datetimeFigureOut">
               <a:rPr lang="pl-PL" smtClean="0"/>
-              <a:t>03.12.2023</a:t>
+              <a:t>05.12.2023</a:t>
             </a:fld>
             <a:endParaRPr lang="pl-PL"/>
           </a:p>
@@ -3487,132 +3491,6 @@
           <p:cNvPr id="2" name="Tytuł 1">
             <a:extLst>
               <a:ext uri="{FF2B5EF4-FFF2-40B4-BE49-F238E27FC236}">
-                <a16:creationId xmlns:a16="http://schemas.microsoft.com/office/drawing/2014/main" id="{97F3000C-FB9E-3211-A9F6-933892179C5A}"/>
-              </a:ext>
-            </a:extLst>
-          </p:cNvPr>
-          <p:cNvSpPr>
-            <a:spLocks noGrp="1"/>
-          </p:cNvSpPr>
-          <p:nvPr>
-            <p:ph type="title"/>
-          </p:nvPr>
-        </p:nvSpPr>
-        <p:spPr/>
-        <p:txBody>
-          <a:bodyPr/>
-          <a:lstStyle/>
-          <a:p>
-            <a:r>
-              <a:rPr lang="pl-PL" dirty="0"/>
-              <a:t>Wpływ </a:t>
-            </a:r>
-            <a:r>
-              <a:rPr lang="pl-PL" dirty="0" err="1"/>
-              <a:t>preprocessingu</a:t>
-            </a:r>
-            <a:r>
-              <a:rPr lang="pl-PL" dirty="0"/>
-              <a:t> (?)</a:t>
-            </a:r>
-          </a:p>
-        </p:txBody>
-      </p:sp>
-      <p:pic>
-        <p:nvPicPr>
-          <p:cNvPr id="6" name="Symbol zastępczy zawartości 5">
-            <a:extLst>
-              <a:ext uri="{FF2B5EF4-FFF2-40B4-BE49-F238E27FC236}">
-                <a16:creationId xmlns:a16="http://schemas.microsoft.com/office/drawing/2014/main" id="{9FF8D7C6-FA7F-2ACE-137D-E898D8CB7D5C}"/>
-              </a:ext>
-            </a:extLst>
-          </p:cNvPr>
-          <p:cNvPicPr>
-            <a:picLocks noGrp="1" noChangeAspect="1"/>
-          </p:cNvPicPr>
-          <p:nvPr>
-            <p:ph sz="half" idx="1"/>
-          </p:nvPr>
-        </p:nvPicPr>
-        <p:blipFill>
-          <a:blip r:embed="rId2">
-            <a:extLst>
-              <a:ext uri="{28A0092B-C50C-407E-A947-70E740481C1C}">
-                <a14:useLocalDpi xmlns:a14="http://schemas.microsoft.com/office/drawing/2010/main" val="0"/>
-              </a:ext>
-            </a:extLst>
-          </a:blip>
-          <a:stretch>
-            <a:fillRect/>
-          </a:stretch>
-        </p:blipFill>
-        <p:spPr>
-          <a:xfrm>
-            <a:off x="838200" y="2058194"/>
-            <a:ext cx="5181600" cy="3886200"/>
-          </a:xfrm>
-        </p:spPr>
-      </p:pic>
-      <p:sp>
-        <p:nvSpPr>
-          <p:cNvPr id="4" name="Symbol zastępczy zawartości 3">
-            <a:extLst>
-              <a:ext uri="{FF2B5EF4-FFF2-40B4-BE49-F238E27FC236}">
-                <a16:creationId xmlns:a16="http://schemas.microsoft.com/office/drawing/2014/main" id="{662329A5-5901-986B-B50D-579382C54EDA}"/>
-              </a:ext>
-            </a:extLst>
-          </p:cNvPr>
-          <p:cNvSpPr>
-            <a:spLocks noGrp="1"/>
-          </p:cNvSpPr>
-          <p:nvPr>
-            <p:ph sz="half" idx="2"/>
-          </p:nvPr>
-        </p:nvSpPr>
-        <p:spPr/>
-        <p:txBody>
-          <a:bodyPr/>
-          <a:lstStyle/>
-          <a:p>
-            <a:endParaRPr lang="pl-PL" dirty="0"/>
-          </a:p>
-        </p:txBody>
-      </p:sp>
-    </p:spTree>
-    <p:extLst>
-      <p:ext uri="{BB962C8B-B14F-4D97-AF65-F5344CB8AC3E}">
-        <p14:creationId xmlns:p14="http://schemas.microsoft.com/office/powerpoint/2010/main" val="111819533"/>
-      </p:ext>
-    </p:extLst>
-  </p:cSld>
-  <p:clrMapOvr>
-    <a:masterClrMapping/>
-  </p:clrMapOvr>
-</p:sld>
-</file>
-
-<file path=ppt/slides/slide11.xml><?xml version="1.0" encoding="utf-8"?>
-<p:sld xmlns:a="http://schemas.openxmlformats.org/drawingml/2006/main" xmlns:r="http://schemas.openxmlformats.org/officeDocument/2006/relationships" xmlns:p="http://schemas.openxmlformats.org/presentationml/2006/main">
-  <p:cSld>
-    <p:spTree>
-      <p:nvGrpSpPr>
-        <p:cNvPr id="1" name=""/>
-        <p:cNvGrpSpPr/>
-        <p:nvPr/>
-      </p:nvGrpSpPr>
-      <p:grpSpPr>
-        <a:xfrm>
-          <a:off x="0" y="0"/>
-          <a:ext cx="0" cy="0"/>
-          <a:chOff x="0" y="0"/>
-          <a:chExt cx="0" cy="0"/>
-        </a:xfrm>
-      </p:grpSpPr>
-      <p:sp>
-        <p:nvSpPr>
-          <p:cNvPr id="2" name="Tytuł 1">
-            <a:extLst>
-              <a:ext uri="{FF2B5EF4-FFF2-40B4-BE49-F238E27FC236}">
                 <a16:creationId xmlns:a16="http://schemas.microsoft.com/office/drawing/2014/main" id="{C8D41F6B-CEFD-B3FE-421E-6F53394D29C3}"/>
               </a:ext>
             </a:extLst>
@@ -3812,6 +3690,206 @@
 </p:sld>
 </file>
 
+<file path=ppt/slides/slide11.xml><?xml version="1.0" encoding="utf-8"?>
+<p:sld xmlns:a="http://schemas.openxmlformats.org/drawingml/2006/main" xmlns:r="http://schemas.openxmlformats.org/officeDocument/2006/relationships" xmlns:p="http://schemas.openxmlformats.org/presentationml/2006/main">
+  <p:cSld>
+    <p:spTree>
+      <p:nvGrpSpPr>
+        <p:cNvPr id="1" name=""/>
+        <p:cNvGrpSpPr/>
+        <p:nvPr/>
+      </p:nvGrpSpPr>
+      <p:grpSpPr>
+        <a:xfrm>
+          <a:off x="0" y="0"/>
+          <a:ext cx="0" cy="0"/>
+          <a:chOff x="0" y="0"/>
+          <a:chExt cx="0" cy="0"/>
+        </a:xfrm>
+      </p:grpSpPr>
+      <p:sp>
+        <p:nvSpPr>
+          <p:cNvPr id="2" name="Tytuł 1">
+            <a:extLst>
+              <a:ext uri="{FF2B5EF4-FFF2-40B4-BE49-F238E27FC236}">
+                <a16:creationId xmlns:a16="http://schemas.microsoft.com/office/drawing/2014/main" id="{FBC5E158-9F72-FD2B-55D6-3C902F0114F0}"/>
+              </a:ext>
+            </a:extLst>
+          </p:cNvPr>
+          <p:cNvSpPr>
+            <a:spLocks noGrp="1"/>
+          </p:cNvSpPr>
+          <p:nvPr>
+            <p:ph type="title"/>
+          </p:nvPr>
+        </p:nvSpPr>
+        <p:spPr/>
+        <p:txBody>
+          <a:bodyPr/>
+          <a:lstStyle/>
+          <a:p>
+            <a:r>
+              <a:rPr lang="pl-PL" dirty="0"/>
+              <a:t>Sposoby porównywania wektorów</a:t>
+            </a:r>
+          </a:p>
+        </p:txBody>
+      </p:sp>
+      <p:sp>
+        <p:nvSpPr>
+          <p:cNvPr id="3" name="Symbol zastępczy zawartości 2">
+            <a:extLst>
+              <a:ext uri="{FF2B5EF4-FFF2-40B4-BE49-F238E27FC236}">
+                <a16:creationId xmlns:a16="http://schemas.microsoft.com/office/drawing/2014/main" id="{CC4FA78B-4CCF-8EE1-3544-48519A17E0C3}"/>
+              </a:ext>
+            </a:extLst>
+          </p:cNvPr>
+          <p:cNvSpPr>
+            <a:spLocks noGrp="1"/>
+          </p:cNvSpPr>
+          <p:nvPr>
+            <p:ph sz="half" idx="1"/>
+          </p:nvPr>
+        </p:nvSpPr>
+        <p:spPr>
+          <a:xfrm>
+            <a:off x="838200" y="1825625"/>
+            <a:ext cx="5937250" cy="4351338"/>
+          </a:xfrm>
+        </p:spPr>
+        <p:txBody>
+          <a:bodyPr/>
+          <a:lstStyle/>
+          <a:p>
+            <a:r>
+              <a:rPr lang="pl-PL" dirty="0"/>
+              <a:t>Po co porównujemy wektory?</a:t>
+            </a:r>
+          </a:p>
+          <a:p>
+            <a:r>
+              <a:rPr lang="pl-PL" dirty="0"/>
+              <a:t>Jak wyglądają porównywane wektory?</a:t>
+            </a:r>
+          </a:p>
+          <a:p>
+            <a:r>
+              <a:rPr lang="pl-PL" dirty="0"/>
+              <a:t>Przykładowe sposoby porównywania</a:t>
+            </a:r>
+          </a:p>
+          <a:p>
+            <a:pPr lvl="1"/>
+            <a:r>
+              <a:rPr lang="pl-PL" dirty="0"/>
+              <a:t>Miara kosinusowa</a:t>
+            </a:r>
+          </a:p>
+          <a:p>
+            <a:pPr lvl="2"/>
+            <a:r>
+              <a:rPr lang="pl-PL" dirty="0"/>
+              <a:t>ang. </a:t>
+            </a:r>
+            <a:r>
+              <a:rPr lang="pl-PL" i="1" dirty="0" err="1"/>
+              <a:t>cosine</a:t>
+            </a:r>
+            <a:r>
+              <a:rPr lang="pl-PL" i="1" dirty="0"/>
+              <a:t> </a:t>
+            </a:r>
+            <a:r>
+              <a:rPr lang="pl-PL" i="1" dirty="0" err="1"/>
+              <a:t>similarity</a:t>
+            </a:r>
+            <a:endParaRPr lang="pl-PL" i="1" dirty="0"/>
+          </a:p>
+          <a:p>
+            <a:pPr lvl="1"/>
+            <a:r>
+              <a:rPr lang="pl-PL" dirty="0"/>
+              <a:t>Jądro liniowe</a:t>
+            </a:r>
+          </a:p>
+          <a:p>
+            <a:pPr lvl="2"/>
+            <a:r>
+              <a:rPr lang="pl-PL" dirty="0"/>
+              <a:t>ang. </a:t>
+            </a:r>
+            <a:r>
+              <a:rPr lang="pl-PL" i="1" dirty="0" err="1"/>
+              <a:t>linear</a:t>
+            </a:r>
+            <a:r>
+              <a:rPr lang="pl-PL" i="1" dirty="0"/>
+              <a:t> </a:t>
+            </a:r>
+            <a:r>
+              <a:rPr lang="pl-PL" i="1" dirty="0" err="1"/>
+              <a:t>kernel</a:t>
+            </a:r>
+            <a:endParaRPr lang="pl-PL" i="1" dirty="0"/>
+          </a:p>
+          <a:p>
+            <a:endParaRPr lang="pl-PL" i="1" dirty="0"/>
+          </a:p>
+          <a:p>
+            <a:pPr lvl="1"/>
+            <a:endParaRPr lang="pl-PL" i="1" dirty="0"/>
+          </a:p>
+          <a:p>
+            <a:pPr lvl="1"/>
+            <a:endParaRPr lang="pl-PL" i="1" dirty="0"/>
+          </a:p>
+          <a:p>
+            <a:endParaRPr lang="pl-PL" i="1" dirty="0"/>
+          </a:p>
+        </p:txBody>
+      </p:sp>
+      <p:pic>
+        <p:nvPicPr>
+          <p:cNvPr id="6" name="Symbol zastępczy zawartości 5">
+            <a:extLst>
+              <a:ext uri="{FF2B5EF4-FFF2-40B4-BE49-F238E27FC236}">
+                <a16:creationId xmlns:a16="http://schemas.microsoft.com/office/drawing/2014/main" id="{92E69584-E00B-8B7B-8C46-60F32DE0B5DB}"/>
+              </a:ext>
+            </a:extLst>
+          </p:cNvPr>
+          <p:cNvPicPr>
+            <a:picLocks noGrp="1" noChangeAspect="1"/>
+          </p:cNvPicPr>
+          <p:nvPr>
+            <p:ph sz="half" idx="2"/>
+          </p:nvPr>
+        </p:nvPicPr>
+        <p:blipFill>
+          <a:blip r:embed="rId2"/>
+          <a:stretch>
+            <a:fillRect/>
+          </a:stretch>
+        </p:blipFill>
+        <p:spPr>
+          <a:xfrm>
+            <a:off x="7750666" y="1825625"/>
+            <a:ext cx="3116867" cy="4351338"/>
+          </a:xfrm>
+        </p:spPr>
+      </p:pic>
+    </p:spTree>
+    <p:extLst>
+      <p:ext uri="{BB962C8B-B14F-4D97-AF65-F5344CB8AC3E}">
+        <p14:creationId xmlns:p14="http://schemas.microsoft.com/office/powerpoint/2010/main" val="2134904798"/>
+      </p:ext>
+    </p:extLst>
+  </p:cSld>
+  <p:clrMapOvr>
+    <a:masterClrMapping/>
+  </p:clrMapOvr>
+</p:sld>
+</file>
+
 <file path=ppt/slides/slide12.xml><?xml version="1.0" encoding="utf-8"?>
 <p:sld xmlns:a="http://schemas.openxmlformats.org/drawingml/2006/main" xmlns:r="http://schemas.openxmlformats.org/officeDocument/2006/relationships" xmlns:p="http://schemas.openxmlformats.org/presentationml/2006/main">
   <p:cSld>
@@ -3834,7 +3912,7 @@
           <p:cNvPr id="2" name="Tytuł 1">
             <a:extLst>
               <a:ext uri="{FF2B5EF4-FFF2-40B4-BE49-F238E27FC236}">
-                <a16:creationId xmlns:a16="http://schemas.microsoft.com/office/drawing/2014/main" id="{FBC5E158-9F72-FD2B-55D6-3C902F0114F0}"/>
+                <a16:creationId xmlns:a16="http://schemas.microsoft.com/office/drawing/2014/main" id="{8E57F01A-AACD-962F-15D0-ABB819CA65AE}"/>
               </a:ext>
             </a:extLst>
           </p:cNvPr>
@@ -3852,7 +3930,7 @@
           <a:p>
             <a:r>
               <a:rPr lang="pl-PL" dirty="0"/>
-              <a:t>Sposoby porównywania wektorów</a:t>
+              <a:t>Miara kosinusowa</a:t>
             </a:r>
           </a:p>
         </p:txBody>
@@ -3862,7 +3940,7 @@
           <p:cNvPr id="3" name="Symbol zastępczy zawartości 2">
             <a:extLst>
               <a:ext uri="{FF2B5EF4-FFF2-40B4-BE49-F238E27FC236}">
-                <a16:creationId xmlns:a16="http://schemas.microsoft.com/office/drawing/2014/main" id="{CC4FA78B-4CCF-8EE1-3544-48519A17E0C3}"/>
+                <a16:creationId xmlns:a16="http://schemas.microsoft.com/office/drawing/2014/main" id="{7D5F70B4-F607-C254-00D6-7C259B2E1C17}"/>
               </a:ext>
             </a:extLst>
           </p:cNvPr>
@@ -3873,14 +3951,91 @@
             <p:ph sz="half" idx="1"/>
           </p:nvPr>
         </p:nvSpPr>
-        <p:spPr/>
-        <p:txBody>
-          <a:bodyPr/>
+        <p:spPr>
+          <a:xfrm>
+            <a:off x="838200" y="1825625"/>
+            <a:ext cx="10909300" cy="4351338"/>
+          </a:xfrm>
+        </p:spPr>
+        <p:txBody>
+          <a:bodyPr>
+            <a:normAutofit/>
+          </a:bodyPr>
+          <a:lstStyle/>
+          <a:p>
+            <a:r>
+              <a:rPr lang="pl-PL" dirty="0"/>
+              <a:t>Podobieństwo kosinusowe to miara, która mierzy, jak bardzo dwa wektory są ze sobą zgodne, biorąc pod uwagę kąt między nimi. Im bliżej wartości podobieństwa kosinusowego do 1, tym bardziej zbliżone są wektory, a im bliżej do 0, tym bardziej różne. W praktyce jest często używane w analizie tekstu do oceny podobieństwa między dokumentami.</a:t>
+            </a:r>
+          </a:p>
+        </p:txBody>
+      </p:sp>
+      <p:pic>
+        <p:nvPicPr>
+          <p:cNvPr id="6" name="Symbol zastępczy zawartości 5">
+            <a:extLst>
+              <a:ext uri="{FF2B5EF4-FFF2-40B4-BE49-F238E27FC236}">
+                <a16:creationId xmlns:a16="http://schemas.microsoft.com/office/drawing/2014/main" id="{87B49F07-8D75-F513-A6B8-A18F4358BEC6}"/>
+              </a:ext>
+            </a:extLst>
+          </p:cNvPr>
+          <p:cNvPicPr>
+            <a:picLocks noGrp="1" noChangeAspect="1"/>
+          </p:cNvPicPr>
+          <p:nvPr>
+            <p:ph sz="half" idx="2"/>
+          </p:nvPr>
+        </p:nvPicPr>
+        <p:blipFill>
+          <a:blip r:embed="rId2">
+            <a:extLst>
+              <a:ext uri="{28A0092B-C50C-407E-A947-70E740481C1C}">
+                <a14:useLocalDpi xmlns:a14="http://schemas.microsoft.com/office/drawing/2010/main" val="0"/>
+              </a:ext>
+            </a:extLst>
+          </a:blip>
+          <a:stretch>
+            <a:fillRect/>
+          </a:stretch>
+        </p:blipFill>
+        <p:spPr>
+          <a:xfrm>
+            <a:off x="3780661" y="4420801"/>
+            <a:ext cx="8236817" cy="2072074"/>
+          </a:xfrm>
+        </p:spPr>
+      </p:pic>
+      <p:sp>
+        <p:nvSpPr>
+          <p:cNvPr id="7" name="pole tekstowe 6">
+            <a:extLst>
+              <a:ext uri="{FF2B5EF4-FFF2-40B4-BE49-F238E27FC236}">
+                <a16:creationId xmlns:a16="http://schemas.microsoft.com/office/drawing/2014/main" id="{9AA7AAA8-6AA8-2D5F-B71A-3FD7B63505FD}"/>
+              </a:ext>
+            </a:extLst>
+          </p:cNvPr>
+          <p:cNvSpPr txBox="1"/>
+          <p:nvPr/>
+        </p:nvSpPr>
+        <p:spPr>
+          <a:xfrm>
+            <a:off x="3836355" y="6492875"/>
+            <a:ext cx="8181123" cy="369332"/>
+          </a:xfrm>
+          <a:prstGeom prst="rect">
+            <a:avLst/>
+          </a:prstGeom>
+          <a:noFill/>
+        </p:spPr>
+        <p:txBody>
+          <a:bodyPr wrap="square" rtlCol="0">
+            <a:spAutoFit/>
+          </a:bodyPr>
           <a:lstStyle/>
           <a:p>
             <a:r>
               <a:rPr lang="pl-PL" dirty="0" err="1"/>
-              <a:t>Cosine</a:t>
+              <a:t>Fatih</a:t>
             </a:r>
             <a:r>
               <a:rPr lang="pl-PL" dirty="0"/>
@@ -3888,48 +4043,11 @@
             </a:r>
             <a:r>
               <a:rPr lang="pl-PL" dirty="0" err="1"/>
-              <a:t>similarity</a:t>
-            </a:r>
-            <a:endParaRPr lang="pl-PL" dirty="0"/>
-          </a:p>
-        </p:txBody>
-      </p:sp>
-      <p:sp>
-        <p:nvSpPr>
-          <p:cNvPr id="4" name="Symbol zastępczy zawartości 3">
-            <a:extLst>
-              <a:ext uri="{FF2B5EF4-FFF2-40B4-BE49-F238E27FC236}">
-                <a16:creationId xmlns:a16="http://schemas.microsoft.com/office/drawing/2014/main" id="{5F290A23-6C60-BE85-0D5A-054789AABE71}"/>
-              </a:ext>
-            </a:extLst>
-          </p:cNvPr>
-          <p:cNvSpPr>
-            <a:spLocks noGrp="1"/>
-          </p:cNvSpPr>
-          <p:nvPr>
-            <p:ph sz="half" idx="2"/>
-          </p:nvPr>
-        </p:nvSpPr>
-        <p:spPr/>
-        <p:txBody>
-          <a:bodyPr/>
-          <a:lstStyle/>
-          <a:p>
-            <a:r>
-              <a:rPr lang="pl-PL" dirty="0" err="1"/>
-              <a:t>Linear</a:t>
-            </a:r>
-            <a:r>
-              <a:rPr lang="pl-PL" dirty="0"/>
-              <a:t> </a:t>
-            </a:r>
-            <a:r>
-              <a:rPr lang="pl-PL" dirty="0" err="1"/>
-              <a:t>kernel</a:t>
-            </a:r>
-            <a:r>
-              <a:rPr lang="pl-PL" dirty="0"/>
-              <a:t> (?)</a:t>
+              <a:t>Karabiber</a:t>
+            </a:r>
+            <a:r>
+              <a:rPr lang="pl-PL" dirty="0"/>
+              <a:t>, www.learndatasci.com/glossary/cosine-similarity/</a:t>
             </a:r>
           </a:p>
         </p:txBody>
@@ -3937,7 +4055,7 @@
     </p:spTree>
     <p:extLst>
       <p:ext uri="{BB962C8B-B14F-4D97-AF65-F5344CB8AC3E}">
-        <p14:creationId xmlns:p14="http://schemas.microsoft.com/office/powerpoint/2010/main" val="2134904798"/>
+        <p14:creationId xmlns:p14="http://schemas.microsoft.com/office/powerpoint/2010/main" val="3280399118"/>
       </p:ext>
     </p:extLst>
   </p:cSld>
@@ -3969,7 +4087,7 @@
           <p:cNvPr id="2" name="Tytuł 1">
             <a:extLst>
               <a:ext uri="{FF2B5EF4-FFF2-40B4-BE49-F238E27FC236}">
-                <a16:creationId xmlns:a16="http://schemas.microsoft.com/office/drawing/2014/main" id="{8E57F01A-AACD-962F-15D0-ABB819CA65AE}"/>
+                <a16:creationId xmlns:a16="http://schemas.microsoft.com/office/drawing/2014/main" id="{EDE1E291-4C85-3D19-76E5-76217A5556B8}"/>
               </a:ext>
             </a:extLst>
           </p:cNvPr>
@@ -3986,55 +4104,18 @@
           <a:lstStyle/>
           <a:p>
             <a:r>
-              <a:rPr lang="pl-PL" dirty="0" err="1"/>
-              <a:t>Cosine</a:t>
-            </a:r>
-            <a:r>
-              <a:rPr lang="pl-PL" dirty="0"/>
-              <a:t> </a:t>
-            </a:r>
-            <a:r>
-              <a:rPr lang="pl-PL" dirty="0" err="1"/>
-              <a:t>similarity</a:t>
-            </a:r>
-            <a:endParaRPr lang="pl-PL" dirty="0"/>
-          </a:p>
-        </p:txBody>
-      </p:sp>
-      <p:sp>
-        <p:nvSpPr>
-          <p:cNvPr id="3" name="Symbol zastępczy zawartości 2">
-            <a:extLst>
-              <a:ext uri="{FF2B5EF4-FFF2-40B4-BE49-F238E27FC236}">
-                <a16:creationId xmlns:a16="http://schemas.microsoft.com/office/drawing/2014/main" id="{7D5F70B4-F607-C254-00D6-7C259B2E1C17}"/>
-              </a:ext>
-            </a:extLst>
-          </p:cNvPr>
-          <p:cNvSpPr>
-            <a:spLocks noGrp="1"/>
-          </p:cNvSpPr>
-          <p:nvPr>
-            <p:ph sz="half" idx="1"/>
-          </p:nvPr>
-        </p:nvSpPr>
-        <p:spPr/>
-        <p:txBody>
-          <a:bodyPr/>
-          <a:lstStyle/>
-          <a:p>
-            <a:r>
-              <a:rPr lang="pl-PL" dirty="0"/>
-              <a:t>…</a:t>
+              <a:rPr lang="pl-PL" dirty="0"/>
+              <a:t>Miara kosinusowa- implementacja</a:t>
             </a:r>
           </a:p>
         </p:txBody>
       </p:sp>
       <p:pic>
         <p:nvPicPr>
-          <p:cNvPr id="6" name="Symbol zastępczy zawartości 5">
-            <a:extLst>
-              <a:ext uri="{FF2B5EF4-FFF2-40B4-BE49-F238E27FC236}">
-                <a16:creationId xmlns:a16="http://schemas.microsoft.com/office/drawing/2014/main" id="{87B49F07-8D75-F513-A6B8-A18F4358BEC6}"/>
+          <p:cNvPr id="10" name="Symbol zastępczy zawartości 9">
+            <a:extLst>
+              <a:ext uri="{FF2B5EF4-FFF2-40B4-BE49-F238E27FC236}">
+                <a16:creationId xmlns:a16="http://schemas.microsoft.com/office/drawing/2014/main" id="{D37C9A55-F0AD-513B-17A2-4C92774DEBFB}"/>
               </a:ext>
             </a:extLst>
           </p:cNvPr>
@@ -4042,79 +4123,26 @@
             <a:picLocks noGrp="1" noChangeAspect="1"/>
           </p:cNvPicPr>
           <p:nvPr>
-            <p:ph sz="half" idx="2"/>
+            <p:ph idx="1"/>
           </p:nvPr>
         </p:nvPicPr>
         <p:blipFill>
-          <a:blip r:embed="rId2">
-            <a:extLst>
-              <a:ext uri="{28A0092B-C50C-407E-A947-70E740481C1C}">
-                <a14:useLocalDpi xmlns:a14="http://schemas.microsoft.com/office/drawing/2010/main" val="0"/>
-              </a:ext>
-            </a:extLst>
-          </a:blip>
+          <a:blip r:embed="rId2"/>
           <a:stretch>
             <a:fillRect/>
           </a:stretch>
         </p:blipFill>
         <p:spPr>
           <a:xfrm>
-            <a:off x="3780661" y="4420801"/>
-            <a:ext cx="8236817" cy="2072074"/>
+            <a:off x="2704626" y="2291318"/>
+            <a:ext cx="6782747" cy="3419952"/>
           </a:xfrm>
         </p:spPr>
       </p:pic>
-      <p:sp>
-        <p:nvSpPr>
-          <p:cNvPr id="7" name="pole tekstowe 6">
-            <a:extLst>
-              <a:ext uri="{FF2B5EF4-FFF2-40B4-BE49-F238E27FC236}">
-                <a16:creationId xmlns:a16="http://schemas.microsoft.com/office/drawing/2014/main" id="{9AA7AAA8-6AA8-2D5F-B71A-3FD7B63505FD}"/>
-              </a:ext>
-            </a:extLst>
-          </p:cNvPr>
-          <p:cNvSpPr txBox="1"/>
-          <p:nvPr/>
-        </p:nvSpPr>
-        <p:spPr>
-          <a:xfrm>
-            <a:off x="3836355" y="6492875"/>
-            <a:ext cx="8181123" cy="369332"/>
-          </a:xfrm>
-          <a:prstGeom prst="rect">
-            <a:avLst/>
-          </a:prstGeom>
-          <a:noFill/>
-        </p:spPr>
-        <p:txBody>
-          <a:bodyPr wrap="square" rtlCol="0">
-            <a:spAutoFit/>
-          </a:bodyPr>
-          <a:lstStyle/>
-          <a:p>
-            <a:r>
-              <a:rPr lang="pl-PL" dirty="0" err="1"/>
-              <a:t>Fatih</a:t>
-            </a:r>
-            <a:r>
-              <a:rPr lang="pl-PL" dirty="0"/>
-              <a:t> </a:t>
-            </a:r>
-            <a:r>
-              <a:rPr lang="pl-PL" dirty="0" err="1"/>
-              <a:t>Karabiber</a:t>
-            </a:r>
-            <a:r>
-              <a:rPr lang="pl-PL" dirty="0"/>
-              <a:t>, www.learndatasci.com/glossary/cosine-similarity/</a:t>
-            </a:r>
-          </a:p>
-        </p:txBody>
-      </p:sp>
     </p:spTree>
     <p:extLst>
       <p:ext uri="{BB962C8B-B14F-4D97-AF65-F5344CB8AC3E}">
-        <p14:creationId xmlns:p14="http://schemas.microsoft.com/office/powerpoint/2010/main" val="3280399118"/>
+        <p14:creationId xmlns:p14="http://schemas.microsoft.com/office/powerpoint/2010/main" val="2139054805"/>
       </p:ext>
     </p:extLst>
   </p:cSld>
@@ -4146,7 +4174,7 @@
           <p:cNvPr id="2" name="Tytuł 1">
             <a:extLst>
               <a:ext uri="{FF2B5EF4-FFF2-40B4-BE49-F238E27FC236}">
-                <a16:creationId xmlns:a16="http://schemas.microsoft.com/office/drawing/2014/main" id="{EDE1E291-4C85-3D19-76E5-76217A5556B8}"/>
+                <a16:creationId xmlns:a16="http://schemas.microsoft.com/office/drawing/2014/main" id="{3CE634C4-8968-9829-EA62-DD7680AC4F92}"/>
               </a:ext>
             </a:extLst>
           </p:cNvPr>
@@ -4163,20 +4191,8 @@
           <a:lstStyle/>
           <a:p>
             <a:r>
-              <a:rPr lang="pl-PL" dirty="0" err="1"/>
-              <a:t>Cosine</a:t>
-            </a:r>
-            <a:r>
-              <a:rPr lang="pl-PL" dirty="0"/>
-              <a:t> </a:t>
-            </a:r>
-            <a:r>
-              <a:rPr lang="pl-PL" dirty="0" err="1"/>
-              <a:t>similarity</a:t>
-            </a:r>
-            <a:r>
-              <a:rPr lang="pl-PL" dirty="0"/>
-              <a:t> - implementacja</a:t>
+              <a:rPr lang="pl-PL" dirty="0"/>
+              <a:t>Jądro liniowe</a:t>
             </a:r>
           </a:p>
         </p:txBody>
@@ -4186,7 +4202,7 @@
           <p:cNvPr id="3" name="Symbol zastępczy zawartości 2">
             <a:extLst>
               <a:ext uri="{FF2B5EF4-FFF2-40B4-BE49-F238E27FC236}">
-                <a16:creationId xmlns:a16="http://schemas.microsoft.com/office/drawing/2014/main" id="{1D01BBE8-3B42-BD97-F098-6468C981FED3}"/>
+                <a16:creationId xmlns:a16="http://schemas.microsoft.com/office/drawing/2014/main" id="{AC2CA08C-710B-1B06-25F5-7F0737046459}"/>
               </a:ext>
             </a:extLst>
           </p:cNvPr>
@@ -4199,31 +4215,43 @@
         </p:nvSpPr>
         <p:spPr/>
         <p:txBody>
-          <a:bodyPr/>
-          <a:lstStyle/>
-          <a:p>
-            <a:r>
-              <a:rPr lang="pl-PL" dirty="0"/>
-              <a:t>…</a:t>
+          <a:bodyPr>
+            <a:normAutofit lnSpcReduction="10000"/>
+          </a:bodyPr>
+          <a:lstStyle/>
+          <a:p>
+            <a:r>
+              <a:rPr lang="pl-PL" dirty="0"/>
+              <a:t>Porównuje dwie próbki, mierząc, jak dobrze można je dopasować jedną do drugiej przy użyciu funkcji liniowej</a:t>
+            </a:r>
+          </a:p>
+          <a:p>
+            <a:r>
+              <a:rPr lang="pl-PL" dirty="0"/>
+              <a:t>Jeśli próbki są podobne, mają zbliżone wartości cech, a wynik iloczynu skalarnego (czyli miara podobieństwa) będzie wyższy.</a:t>
+            </a:r>
+          </a:p>
+          <a:p>
+            <a:r>
+              <a:rPr lang="pl-PL" dirty="0"/>
+              <a:t>Jeśli próbki są różne, iloczyn skalarny będzie niższy, co oznacza mniejsze podobieństwo.</a:t>
             </a:r>
           </a:p>
         </p:txBody>
       </p:sp>
       <p:pic>
         <p:nvPicPr>
-          <p:cNvPr id="10" name="Symbol zastępczy zawartości 9">
-            <a:extLst>
-              <a:ext uri="{FF2B5EF4-FFF2-40B4-BE49-F238E27FC236}">
-                <a16:creationId xmlns:a16="http://schemas.microsoft.com/office/drawing/2014/main" id="{D37C9A55-F0AD-513B-17A2-4C92774DEBFB}"/>
+          <p:cNvPr id="5" name="Obraz 4">
+            <a:extLst>
+              <a:ext uri="{FF2B5EF4-FFF2-40B4-BE49-F238E27FC236}">
+                <a16:creationId xmlns:a16="http://schemas.microsoft.com/office/drawing/2014/main" id="{A9326B42-4623-7AF4-C1DF-11905D16167E}"/>
               </a:ext>
             </a:extLst>
           </p:cNvPr>
           <p:cNvPicPr>
-            <a:picLocks noGrp="1" noChangeAspect="1"/>
+            <a:picLocks noChangeAspect="1"/>
           </p:cNvPicPr>
-          <p:nvPr>
-            <p:ph sz="half" idx="2"/>
-          </p:nvPr>
+          <p:nvPr/>
         </p:nvPicPr>
         <p:blipFill>
           <a:blip r:embed="rId2"/>
@@ -4233,15 +4261,18 @@
         </p:blipFill>
         <p:spPr>
           <a:xfrm>
-            <a:off x="6172200" y="2694978"/>
-            <a:ext cx="5181600" cy="2612632"/>
+            <a:off x="7170431" y="396024"/>
+            <a:ext cx="4391638" cy="6096851"/>
           </a:xfrm>
+          <a:prstGeom prst="rect">
+            <a:avLst/>
+          </a:prstGeom>
         </p:spPr>
       </p:pic>
     </p:spTree>
     <p:extLst>
       <p:ext uri="{BB962C8B-B14F-4D97-AF65-F5344CB8AC3E}">
-        <p14:creationId xmlns:p14="http://schemas.microsoft.com/office/powerpoint/2010/main" val="2139054805"/>
+        <p14:creationId xmlns:p14="http://schemas.microsoft.com/office/powerpoint/2010/main" val="2477589467"/>
       </p:ext>
     </p:extLst>
   </p:cSld>
@@ -4273,7 +4304,7 @@
           <p:cNvPr id="2" name="Tytuł 1">
             <a:extLst>
               <a:ext uri="{FF2B5EF4-FFF2-40B4-BE49-F238E27FC236}">
-                <a16:creationId xmlns:a16="http://schemas.microsoft.com/office/drawing/2014/main" id="{3CE634C4-8968-9829-EA62-DD7680AC4F92}"/>
+                <a16:creationId xmlns:a16="http://schemas.microsoft.com/office/drawing/2014/main" id="{7AEBD305-24A1-E72F-6D05-702AF1D650EC}"/>
               </a:ext>
             </a:extLst>
           </p:cNvPr>
@@ -4290,144 +4321,9 @@
           <a:lstStyle/>
           <a:p>
             <a:r>
-              <a:rPr lang="pl-PL" dirty="0" err="1"/>
-              <a:t>Linear</a:t>
-            </a:r>
-            <a:r>
-              <a:rPr lang="pl-PL" dirty="0"/>
-              <a:t> </a:t>
-            </a:r>
-            <a:r>
-              <a:rPr lang="pl-PL" dirty="0" err="1"/>
-              <a:t>kernel</a:t>
-            </a:r>
-            <a:r>
-              <a:rPr lang="pl-PL" dirty="0"/>
-              <a:t> (?)</a:t>
-            </a:r>
-          </a:p>
-        </p:txBody>
-      </p:sp>
-      <p:sp>
-        <p:nvSpPr>
-          <p:cNvPr id="3" name="Symbol zastępczy zawartości 2">
-            <a:extLst>
-              <a:ext uri="{FF2B5EF4-FFF2-40B4-BE49-F238E27FC236}">
-                <a16:creationId xmlns:a16="http://schemas.microsoft.com/office/drawing/2014/main" id="{AC2CA08C-710B-1B06-25F5-7F0737046459}"/>
-              </a:ext>
-            </a:extLst>
-          </p:cNvPr>
-          <p:cNvSpPr>
-            <a:spLocks noGrp="1"/>
-          </p:cNvSpPr>
-          <p:nvPr>
-            <p:ph sz="half" idx="1"/>
-          </p:nvPr>
-        </p:nvSpPr>
-        <p:spPr/>
-        <p:txBody>
-          <a:bodyPr/>
-          <a:lstStyle/>
-          <a:p>
-            <a:r>
-              <a:rPr lang="pl-PL" dirty="0"/>
-              <a:t>…</a:t>
-            </a:r>
-          </a:p>
-        </p:txBody>
-      </p:sp>
-    </p:spTree>
-    <p:extLst>
-      <p:ext uri="{BB962C8B-B14F-4D97-AF65-F5344CB8AC3E}">
-        <p14:creationId xmlns:p14="http://schemas.microsoft.com/office/powerpoint/2010/main" val="2477589467"/>
-      </p:ext>
-    </p:extLst>
-  </p:cSld>
-  <p:clrMapOvr>
-    <a:masterClrMapping/>
-  </p:clrMapOvr>
-</p:sld>
-</file>
-
-<file path=ppt/slides/slide16.xml><?xml version="1.0" encoding="utf-8"?>
-<p:sld xmlns:a="http://schemas.openxmlformats.org/drawingml/2006/main" xmlns:r="http://schemas.openxmlformats.org/officeDocument/2006/relationships" xmlns:p="http://schemas.openxmlformats.org/presentationml/2006/main">
-  <p:cSld>
-    <p:spTree>
-      <p:nvGrpSpPr>
-        <p:cNvPr id="1" name=""/>
-        <p:cNvGrpSpPr/>
-        <p:nvPr/>
-      </p:nvGrpSpPr>
-      <p:grpSpPr>
-        <a:xfrm>
-          <a:off x="0" y="0"/>
-          <a:ext cx="0" cy="0"/>
-          <a:chOff x="0" y="0"/>
-          <a:chExt cx="0" cy="0"/>
-        </a:xfrm>
-      </p:grpSpPr>
-      <p:sp>
-        <p:nvSpPr>
-          <p:cNvPr id="2" name="Tytuł 1">
-            <a:extLst>
-              <a:ext uri="{FF2B5EF4-FFF2-40B4-BE49-F238E27FC236}">
-                <a16:creationId xmlns:a16="http://schemas.microsoft.com/office/drawing/2014/main" id="{7AEBD305-24A1-E72F-6D05-702AF1D650EC}"/>
-              </a:ext>
-            </a:extLst>
-          </p:cNvPr>
-          <p:cNvSpPr>
-            <a:spLocks noGrp="1"/>
-          </p:cNvSpPr>
-          <p:nvPr>
-            <p:ph type="title"/>
-          </p:nvPr>
-        </p:nvSpPr>
-        <p:spPr/>
-        <p:txBody>
-          <a:bodyPr/>
-          <a:lstStyle/>
-          <a:p>
-            <a:r>
-              <a:rPr lang="pl-PL" dirty="0" err="1"/>
-              <a:t>Linear</a:t>
-            </a:r>
-            <a:r>
-              <a:rPr lang="pl-PL" dirty="0"/>
-              <a:t> </a:t>
-            </a:r>
-            <a:r>
-              <a:rPr lang="pl-PL" dirty="0" err="1"/>
-              <a:t>kernel</a:t>
-            </a:r>
-            <a:r>
-              <a:rPr lang="pl-PL" dirty="0"/>
-              <a:t> - implementacja</a:t>
-            </a:r>
-          </a:p>
-        </p:txBody>
-      </p:sp>
-      <p:sp>
-        <p:nvSpPr>
-          <p:cNvPr id="3" name="Symbol zastępczy zawartości 2">
-            <a:extLst>
-              <a:ext uri="{FF2B5EF4-FFF2-40B4-BE49-F238E27FC236}">
-                <a16:creationId xmlns:a16="http://schemas.microsoft.com/office/drawing/2014/main" id="{9ABCA0B4-871D-84C6-ED88-FF0D6F9C2F09}"/>
-              </a:ext>
-            </a:extLst>
-          </p:cNvPr>
-          <p:cNvSpPr>
-            <a:spLocks noGrp="1"/>
-          </p:cNvSpPr>
-          <p:nvPr>
-            <p:ph sz="half" idx="1"/>
-          </p:nvPr>
-        </p:nvSpPr>
-        <p:spPr/>
-        <p:txBody>
-          <a:bodyPr/>
-          <a:lstStyle/>
-          <a:p>
-            <a:endParaRPr lang="pl-PL"/>
+              <a:rPr lang="pl-PL" dirty="0"/>
+              <a:t>Jądro liniowe- implementacja</a:t>
+            </a:r>
           </a:p>
         </p:txBody>
       </p:sp>
@@ -4444,7 +4340,7 @@
             <a:picLocks noGrp="1" noChangeAspect="1"/>
           </p:cNvPicPr>
           <p:nvPr>
-            <p:ph sz="half" idx="2"/>
+            <p:ph idx="1"/>
           </p:nvPr>
         </p:nvPicPr>
         <p:blipFill>
@@ -4455,8 +4351,8 @@
         </p:blipFill>
         <p:spPr>
           <a:xfrm>
-            <a:off x="6172200" y="2689543"/>
-            <a:ext cx="5181600" cy="2623502"/>
+            <a:off x="2699863" y="2281791"/>
+            <a:ext cx="6792273" cy="3439005"/>
           </a:xfrm>
         </p:spPr>
       </p:pic>
@@ -4473,7 +4369,7 @@
 </p:sld>
 </file>
 
-<file path=ppt/slides/slide17.xml><?xml version="1.0" encoding="utf-8"?>
+<file path=ppt/slides/slide16.xml><?xml version="1.0" encoding="utf-8"?>
 <p:sld xmlns:a="http://schemas.openxmlformats.org/drawingml/2006/main" xmlns:r="http://schemas.openxmlformats.org/officeDocument/2006/relationships" xmlns:p="http://schemas.openxmlformats.org/presentationml/2006/main">
   <p:cSld>
     <p:spTree>
@@ -4857,7 +4753,7 @@
 </p:sld>
 </file>
 
-<file path=ppt/slides/slide18.xml><?xml version="1.0" encoding="utf-8"?>
+<file path=ppt/slides/slide17.xml><?xml version="1.0" encoding="utf-8"?>
 <p:sld xmlns:a="http://schemas.openxmlformats.org/drawingml/2006/main" xmlns:r="http://schemas.openxmlformats.org/officeDocument/2006/relationships" xmlns:p="http://schemas.openxmlformats.org/presentationml/2006/main">
   <p:cSld>
     <p:spTree>
@@ -5000,7 +4896,7 @@
 </p:sld>
 </file>
 
-<file path=ppt/slides/slide19.xml><?xml version="1.0" encoding="utf-8"?>
+<file path=ppt/slides/slide18.xml><?xml version="1.0" encoding="utf-8"?>
 <p:sld xmlns:a="http://schemas.openxmlformats.org/drawingml/2006/main" xmlns:r="http://schemas.openxmlformats.org/officeDocument/2006/relationships" xmlns:p="http://schemas.openxmlformats.org/presentationml/2006/main">
   <p:cSld>
     <p:spTree>
@@ -5146,6 +5042,134 @@
 </p:sld>
 </file>
 
+<file path=ppt/slides/slide19.xml><?xml version="1.0" encoding="utf-8"?>
+<p:sld xmlns:a="http://schemas.openxmlformats.org/drawingml/2006/main" xmlns:r="http://schemas.openxmlformats.org/officeDocument/2006/relationships" xmlns:p="http://schemas.openxmlformats.org/presentationml/2006/main">
+  <p:cSld>
+    <p:spTree>
+      <p:nvGrpSpPr>
+        <p:cNvPr id="1" name=""/>
+        <p:cNvGrpSpPr/>
+        <p:nvPr/>
+      </p:nvGrpSpPr>
+      <p:grpSpPr>
+        <a:xfrm>
+          <a:off x="0" y="0"/>
+          <a:ext cx="0" cy="0"/>
+          <a:chOff x="0" y="0"/>
+          <a:chExt cx="0" cy="0"/>
+        </a:xfrm>
+      </p:grpSpPr>
+      <p:sp>
+        <p:nvSpPr>
+          <p:cNvPr id="2" name="Tytuł 1">
+            <a:extLst>
+              <a:ext uri="{FF2B5EF4-FFF2-40B4-BE49-F238E27FC236}">
+                <a16:creationId xmlns:a16="http://schemas.microsoft.com/office/drawing/2014/main" id="{15E6AE2B-2D56-68A3-F3CB-8CAE61093D88}"/>
+              </a:ext>
+            </a:extLst>
+          </p:cNvPr>
+          <p:cNvSpPr>
+            <a:spLocks noGrp="1"/>
+          </p:cNvSpPr>
+          <p:nvPr>
+            <p:ph type="title"/>
+          </p:nvPr>
+        </p:nvSpPr>
+        <p:spPr/>
+        <p:txBody>
+          <a:bodyPr/>
+          <a:lstStyle/>
+          <a:p>
+            <a:r>
+              <a:rPr lang="pl-PL" dirty="0"/>
+              <a:t>Rezultat</a:t>
+            </a:r>
+          </a:p>
+        </p:txBody>
+      </p:sp>
+      <p:pic>
+        <p:nvPicPr>
+          <p:cNvPr id="14" name="Symbol zastępczy zawartości 13">
+            <a:extLst>
+              <a:ext uri="{FF2B5EF4-FFF2-40B4-BE49-F238E27FC236}">
+                <a16:creationId xmlns:a16="http://schemas.microsoft.com/office/drawing/2014/main" id="{C2921A79-CFF9-6732-FF9D-55BA557CDF97}"/>
+              </a:ext>
+            </a:extLst>
+          </p:cNvPr>
+          <p:cNvPicPr>
+            <a:picLocks noGrp="1" noChangeAspect="1"/>
+          </p:cNvPicPr>
+          <p:nvPr>
+            <p:ph sz="half" idx="1"/>
+          </p:nvPr>
+        </p:nvPicPr>
+        <p:blipFill>
+          <a:blip r:embed="rId2">
+            <a:extLst>
+              <a:ext uri="{28A0092B-C50C-407E-A947-70E740481C1C}">
+                <a14:useLocalDpi xmlns:a14="http://schemas.microsoft.com/office/drawing/2010/main" val="0"/>
+              </a:ext>
+            </a:extLst>
+          </a:blip>
+          <a:stretch>
+            <a:fillRect/>
+          </a:stretch>
+        </p:blipFill>
+        <p:spPr>
+          <a:xfrm>
+            <a:off x="838200" y="2310768"/>
+            <a:ext cx="5181600" cy="3381052"/>
+          </a:xfrm>
+        </p:spPr>
+      </p:pic>
+      <p:pic>
+        <p:nvPicPr>
+          <p:cNvPr id="16" name="Symbol zastępczy zawartości 15">
+            <a:extLst>
+              <a:ext uri="{FF2B5EF4-FFF2-40B4-BE49-F238E27FC236}">
+                <a16:creationId xmlns:a16="http://schemas.microsoft.com/office/drawing/2014/main" id="{6917942F-185D-7B6C-7DB0-852518BFF4A3}"/>
+              </a:ext>
+            </a:extLst>
+          </p:cNvPr>
+          <p:cNvPicPr>
+            <a:picLocks noGrp="1" noChangeAspect="1"/>
+          </p:cNvPicPr>
+          <p:nvPr>
+            <p:ph sz="half" idx="2"/>
+          </p:nvPr>
+        </p:nvPicPr>
+        <p:blipFill>
+          <a:blip r:embed="rId3">
+            <a:extLst>
+              <a:ext uri="{28A0092B-C50C-407E-A947-70E740481C1C}">
+                <a14:useLocalDpi xmlns:a14="http://schemas.microsoft.com/office/drawing/2010/main" val="0"/>
+              </a:ext>
+            </a:extLst>
+          </a:blip>
+          <a:stretch>
+            <a:fillRect/>
+          </a:stretch>
+        </p:blipFill>
+        <p:spPr>
+          <a:xfrm>
+            <a:off x="6172200" y="2355786"/>
+            <a:ext cx="5181600" cy="3291016"/>
+          </a:xfrm>
+        </p:spPr>
+      </p:pic>
+    </p:spTree>
+    <p:extLst>
+      <p:ext uri="{BB962C8B-B14F-4D97-AF65-F5344CB8AC3E}">
+        <p14:creationId xmlns:p14="http://schemas.microsoft.com/office/powerpoint/2010/main" val="4082954397"/>
+      </p:ext>
+    </p:extLst>
+  </p:cSld>
+  <p:clrMapOvr>
+    <a:masterClrMapping/>
+  </p:clrMapOvr>
+</p:sld>
+</file>
+
 <file path=ppt/slides/slide2.xml><?xml version="1.0" encoding="utf-8"?>
 <p:sld xmlns:a="http://schemas.openxmlformats.org/drawingml/2006/main" xmlns:r="http://schemas.openxmlformats.org/officeDocument/2006/relationships" xmlns:p="http://schemas.openxmlformats.org/presentationml/2006/main">
   <p:cSld>
@@ -5168,7 +5192,7 @@
           <p:cNvPr id="2" name="Tytuł 1">
             <a:extLst>
               <a:ext uri="{FF2B5EF4-FFF2-40B4-BE49-F238E27FC236}">
-                <a16:creationId xmlns:a16="http://schemas.microsoft.com/office/drawing/2014/main" id="{4FA4F972-4FA1-1A82-B355-D7D0AEFE7C76}"/>
+                <a16:creationId xmlns:a16="http://schemas.microsoft.com/office/drawing/2014/main" id="{517B7566-323A-CB19-55A1-FC69DE490A73}"/>
               </a:ext>
             </a:extLst>
           </p:cNvPr>
@@ -5186,7 +5210,7 @@
           <a:p>
             <a:r>
               <a:rPr lang="pl-PL" dirty="0"/>
-              <a:t>Kryteria</a:t>
+              <a:t>Opis problemu</a:t>
             </a:r>
           </a:p>
         </p:txBody>
@@ -5196,7 +5220,7 @@
           <p:cNvPr id="3" name="Symbol zastępczy zawartości 2">
             <a:extLst>
               <a:ext uri="{FF2B5EF4-FFF2-40B4-BE49-F238E27FC236}">
-                <a16:creationId xmlns:a16="http://schemas.microsoft.com/office/drawing/2014/main" id="{BED74C73-7CC2-9158-7F40-B2759A1FE21F}"/>
+                <a16:creationId xmlns:a16="http://schemas.microsoft.com/office/drawing/2014/main" id="{F7874BCB-0F40-5A65-60D5-14FFE3A1CDA3}"/>
               </a:ext>
             </a:extLst>
           </p:cNvPr>
@@ -5209,99 +5233,39 @@
         </p:nvSpPr>
         <p:spPr/>
         <p:txBody>
-          <a:bodyPr>
-            <a:normAutofit fontScale="62500" lnSpcReduction="20000"/>
-          </a:bodyPr>
-          <a:lstStyle/>
-          <a:p>
-            <a:r>
-              <a:rPr lang="pl-PL" dirty="0"/>
-              <a:t>Projekty</a:t>
-            </a:r>
-          </a:p>
-          <a:p>
-            <a:r>
-              <a:rPr lang="pl-PL" dirty="0"/>
-              <a:t>Praca nad projektem:</a:t>
-            </a:r>
-          </a:p>
-          <a:p>
-            <a:r>
-              <a:rPr lang="pl-PL" dirty="0"/>
-              <a:t>• wybór problemu do rozwiązania</a:t>
-            </a:r>
-          </a:p>
-          <a:p>
-            <a:r>
-              <a:rPr lang="pl-PL" dirty="0"/>
-              <a:t>• pozyskanie zbioru danych</a:t>
-            </a:r>
-          </a:p>
-          <a:p>
-            <a:r>
-              <a:rPr lang="pl-PL" dirty="0"/>
-              <a:t>• wybór metod do implementacji</a:t>
-            </a:r>
-          </a:p>
-          <a:p>
-            <a:r>
-              <a:rPr lang="pl-PL" dirty="0"/>
-              <a:t>• ocen rezultatów</a:t>
-            </a:r>
-          </a:p>
-          <a:p>
-            <a:r>
-              <a:rPr lang="pl-PL" dirty="0"/>
-              <a:t>• przygotowanie raportu i </a:t>
-            </a:r>
-            <a:r>
-              <a:rPr lang="pl-PL" dirty="0" err="1"/>
-              <a:t>przentacji</a:t>
+          <a:bodyPr/>
+          <a:lstStyle/>
+          <a:p>
+            <a:r>
+              <a:rPr lang="pl-PL" dirty="0"/>
+              <a:t>Celem naszego projektu jest wykorzystanie technik </a:t>
+            </a:r>
+            <a:r>
+              <a:rPr lang="pl-PL" b="1" dirty="0"/>
+              <a:t>NLP</a:t>
+            </a:r>
+            <a:r>
+              <a:rPr lang="pl-PL" dirty="0"/>
+              <a:t> (przetwarzania języka naturalnego) do stworzenia systemu rekomendacji filmów. </a:t>
+            </a:r>
+          </a:p>
+          <a:p>
+            <a:r>
+              <a:rPr lang="pl-PL" dirty="0"/>
+              <a:t>Chcemy zaproponować użytkownikowi filmy podobne do tego, który ich interesuje, bazując na </a:t>
+            </a:r>
+            <a:r>
+              <a:rPr lang="pl-PL" b="1" dirty="0"/>
+              <a:t>analizie opisów filmów</a:t>
             </a:r>
             <a:endParaRPr lang="pl-PL" dirty="0"/>
-          </a:p>
-          <a:p>
-            <a:r>
-              <a:rPr lang="pl-PL" dirty="0"/>
-              <a:t>Format projektu</a:t>
-            </a:r>
-          </a:p>
-          <a:p>
-            <a:r>
-              <a:rPr lang="pl-PL" dirty="0"/>
-              <a:t>• zespoły 3-5 osobowe</a:t>
-            </a:r>
-          </a:p>
-          <a:p>
-            <a:r>
-              <a:rPr lang="pl-PL" dirty="0"/>
-              <a:t>• publiczna prezentacja projektu 15 min.</a:t>
-            </a:r>
-          </a:p>
-          <a:p>
-            <a:r>
-              <a:rPr lang="pl-PL" dirty="0"/>
-              <a:t>• raport obejmuje: opis problemu, opis zboru danych, opis</a:t>
-            </a:r>
-          </a:p>
-          <a:p>
-            <a:r>
-              <a:rPr lang="pl-PL" dirty="0"/>
-              <a:t>zastosowanych metod, opis kryterium wyboru najlepszej metody, opis</a:t>
-            </a:r>
-          </a:p>
-          <a:p>
-            <a:r>
-              <a:rPr lang="pl-PL" dirty="0"/>
-              <a:t>wyników działania rozwiązania</a:t>
-            </a:r>
           </a:p>
         </p:txBody>
       </p:sp>
     </p:spTree>
     <p:extLst>
       <p:ext uri="{BB962C8B-B14F-4D97-AF65-F5344CB8AC3E}">
-        <p14:creationId xmlns:p14="http://schemas.microsoft.com/office/powerpoint/2010/main" val="1457444496"/>
+        <p14:creationId xmlns:p14="http://schemas.microsoft.com/office/powerpoint/2010/main" val="3071491868"/>
       </p:ext>
     </p:extLst>
   </p:cSld>
@@ -5333,7 +5297,7 @@
           <p:cNvPr id="2" name="Tytuł 1">
             <a:extLst>
               <a:ext uri="{FF2B5EF4-FFF2-40B4-BE49-F238E27FC236}">
-                <a16:creationId xmlns:a16="http://schemas.microsoft.com/office/drawing/2014/main" id="{15E6AE2B-2D56-68A3-F3CB-8CAE61093D88}"/>
+                <a16:creationId xmlns:a16="http://schemas.microsoft.com/office/drawing/2014/main" id="{15289F1A-E502-55EA-E95E-F9B1A35EA2A4}"/>
               </a:ext>
             </a:extLst>
           </p:cNvPr>
@@ -5351,17 +5315,17 @@
           <a:p>
             <a:r>
               <a:rPr lang="pl-PL" dirty="0"/>
-              <a:t>Rezultat</a:t>
+              <a:t>Rezultat (2)</a:t>
             </a:r>
           </a:p>
         </p:txBody>
       </p:sp>
       <p:pic>
         <p:nvPicPr>
-          <p:cNvPr id="14" name="Symbol zastępczy zawartości 13">
-            <a:extLst>
-              <a:ext uri="{FF2B5EF4-FFF2-40B4-BE49-F238E27FC236}">
-                <a16:creationId xmlns:a16="http://schemas.microsoft.com/office/drawing/2014/main" id="{C2921A79-CFF9-6732-FF9D-55BA557CDF97}"/>
+          <p:cNvPr id="6" name="Symbol zastępczy zawartości 5">
+            <a:extLst>
+              <a:ext uri="{FF2B5EF4-FFF2-40B4-BE49-F238E27FC236}">
+                <a16:creationId xmlns:a16="http://schemas.microsoft.com/office/drawing/2014/main" id="{2EA2F68A-2F55-85D9-B96B-F6BE75FB1120}"/>
               </a:ext>
             </a:extLst>
           </p:cNvPr>
@@ -5386,17 +5350,17 @@
         </p:blipFill>
         <p:spPr>
           <a:xfrm>
-            <a:off x="838200" y="2310768"/>
-            <a:ext cx="5181600" cy="3381052"/>
+            <a:off x="838200" y="2509904"/>
+            <a:ext cx="5181600" cy="2982779"/>
           </a:xfrm>
         </p:spPr>
       </p:pic>
       <p:pic>
         <p:nvPicPr>
-          <p:cNvPr id="16" name="Symbol zastępczy zawartości 15">
-            <a:extLst>
-              <a:ext uri="{FF2B5EF4-FFF2-40B4-BE49-F238E27FC236}">
-                <a16:creationId xmlns:a16="http://schemas.microsoft.com/office/drawing/2014/main" id="{6917942F-185D-7B6C-7DB0-852518BFF4A3}"/>
+          <p:cNvPr id="8" name="Symbol zastępczy zawartości 7">
+            <a:extLst>
+              <a:ext uri="{FF2B5EF4-FFF2-40B4-BE49-F238E27FC236}">
+                <a16:creationId xmlns:a16="http://schemas.microsoft.com/office/drawing/2014/main" id="{41E829D8-AB28-7A76-A62D-D218207AA4D0}"/>
               </a:ext>
             </a:extLst>
           </p:cNvPr>
@@ -5421,15 +5385,15 @@
         </p:blipFill>
         <p:spPr>
           <a:xfrm>
-            <a:off x="6172200" y="2355786"/>
-            <a:ext cx="5181600" cy="3291016"/>
+            <a:off x="6172200" y="2286257"/>
+            <a:ext cx="5181600" cy="3430073"/>
           </a:xfrm>
         </p:spPr>
       </p:pic>
     </p:spTree>
     <p:extLst>
       <p:ext uri="{BB962C8B-B14F-4D97-AF65-F5344CB8AC3E}">
-        <p14:creationId xmlns:p14="http://schemas.microsoft.com/office/powerpoint/2010/main" val="4082954397"/>
+        <p14:creationId xmlns:p14="http://schemas.microsoft.com/office/powerpoint/2010/main" val="1532141540"/>
       </p:ext>
     </p:extLst>
   </p:cSld>
@@ -5461,7 +5425,7 @@
           <p:cNvPr id="2" name="Tytuł 1">
             <a:extLst>
               <a:ext uri="{FF2B5EF4-FFF2-40B4-BE49-F238E27FC236}">
-                <a16:creationId xmlns:a16="http://schemas.microsoft.com/office/drawing/2014/main" id="{15289F1A-E502-55EA-E95E-F9B1A35EA2A4}"/>
+                <a16:creationId xmlns:a16="http://schemas.microsoft.com/office/drawing/2014/main" id="{084B747B-24C7-1D8D-2EEA-3E72BBDA1208}"/>
               </a:ext>
             </a:extLst>
           </p:cNvPr>
@@ -5479,7 +5443,7 @@
           <a:p>
             <a:r>
               <a:rPr lang="pl-PL" dirty="0"/>
-              <a:t>Rezultat (2)</a:t>
+              <a:t>Rezultat (3)</a:t>
             </a:r>
           </a:p>
         </p:txBody>
@@ -5489,7 +5453,7 @@
           <p:cNvPr id="6" name="Symbol zastępczy zawartości 5">
             <a:extLst>
               <a:ext uri="{FF2B5EF4-FFF2-40B4-BE49-F238E27FC236}">
-                <a16:creationId xmlns:a16="http://schemas.microsoft.com/office/drawing/2014/main" id="{2EA2F68A-2F55-85D9-B96B-F6BE75FB1120}"/>
+                <a16:creationId xmlns:a16="http://schemas.microsoft.com/office/drawing/2014/main" id="{E700A4A9-869F-1523-FC09-6F6147F8C535}"/>
               </a:ext>
             </a:extLst>
           </p:cNvPr>
@@ -5514,8 +5478,8 @@
         </p:blipFill>
         <p:spPr>
           <a:xfrm>
-            <a:off x="838200" y="2509904"/>
-            <a:ext cx="5181600" cy="2982779"/>
+            <a:off x="838200" y="2397226"/>
+            <a:ext cx="5181600" cy="3208135"/>
           </a:xfrm>
         </p:spPr>
       </p:pic>
@@ -5524,7 +5488,7 @@
           <p:cNvPr id="8" name="Symbol zastępczy zawartości 7">
             <a:extLst>
               <a:ext uri="{FF2B5EF4-FFF2-40B4-BE49-F238E27FC236}">
-                <a16:creationId xmlns:a16="http://schemas.microsoft.com/office/drawing/2014/main" id="{41E829D8-AB28-7A76-A62D-D218207AA4D0}"/>
+                <a16:creationId xmlns:a16="http://schemas.microsoft.com/office/drawing/2014/main" id="{23F87507-0B2C-7C48-A41E-BD952A0E88C2}"/>
               </a:ext>
             </a:extLst>
           </p:cNvPr>
@@ -5549,15 +5513,15 @@
         </p:blipFill>
         <p:spPr>
           <a:xfrm>
-            <a:off x="6172200" y="2286257"/>
-            <a:ext cx="5181600" cy="3430073"/>
+            <a:off x="6172200" y="2533174"/>
+            <a:ext cx="5181600" cy="2936240"/>
           </a:xfrm>
         </p:spPr>
       </p:pic>
     </p:spTree>
     <p:extLst>
       <p:ext uri="{BB962C8B-B14F-4D97-AF65-F5344CB8AC3E}">
-        <p14:creationId xmlns:p14="http://schemas.microsoft.com/office/powerpoint/2010/main" val="1532141540"/>
+        <p14:creationId xmlns:p14="http://schemas.microsoft.com/office/powerpoint/2010/main" val="170170808"/>
       </p:ext>
     </p:extLst>
   </p:cSld>
@@ -5589,7 +5553,7 @@
           <p:cNvPr id="2" name="Tytuł 1">
             <a:extLst>
               <a:ext uri="{FF2B5EF4-FFF2-40B4-BE49-F238E27FC236}">
-                <a16:creationId xmlns:a16="http://schemas.microsoft.com/office/drawing/2014/main" id="{084B747B-24C7-1D8D-2EEA-3E72BBDA1208}"/>
+                <a16:creationId xmlns:a16="http://schemas.microsoft.com/office/drawing/2014/main" id="{300589C4-2EAD-56D8-E25A-6EEEE97259EC}"/>
               </a:ext>
             </a:extLst>
           </p:cNvPr>
@@ -5607,126 +5571,26 @@
           <a:p>
             <a:r>
               <a:rPr lang="pl-PL" dirty="0"/>
-              <a:t>Rezultat (3)</a:t>
-            </a:r>
-          </a:p>
-        </p:txBody>
-      </p:sp>
-      <p:pic>
-        <p:nvPicPr>
-          <p:cNvPr id="6" name="Symbol zastępczy zawartości 5">
-            <a:extLst>
-              <a:ext uri="{FF2B5EF4-FFF2-40B4-BE49-F238E27FC236}">
-                <a16:creationId xmlns:a16="http://schemas.microsoft.com/office/drawing/2014/main" id="{E700A4A9-869F-1523-FC09-6F6147F8C535}"/>
-              </a:ext>
-            </a:extLst>
-          </p:cNvPr>
-          <p:cNvPicPr>
-            <a:picLocks noGrp="1" noChangeAspect="1"/>
-          </p:cNvPicPr>
+              <a:t>Wady projektu</a:t>
+            </a:r>
+          </a:p>
+        </p:txBody>
+      </p:sp>
+      <p:sp>
+        <p:nvSpPr>
+          <p:cNvPr id="3" name="Symbol zastępczy zawartości 2">
+            <a:extLst>
+              <a:ext uri="{FF2B5EF4-FFF2-40B4-BE49-F238E27FC236}">
+                <a16:creationId xmlns:a16="http://schemas.microsoft.com/office/drawing/2014/main" id="{1B744D5A-2119-C4D8-6D77-A927BDDB78BF}"/>
+              </a:ext>
+            </a:extLst>
+          </p:cNvPr>
+          <p:cNvSpPr>
+            <a:spLocks noGrp="1"/>
+          </p:cNvSpPr>
           <p:nvPr>
             <p:ph sz="half" idx="1"/>
           </p:nvPr>
-        </p:nvPicPr>
-        <p:blipFill>
-          <a:blip r:embed="rId2">
-            <a:extLst>
-              <a:ext uri="{28A0092B-C50C-407E-A947-70E740481C1C}">
-                <a14:useLocalDpi xmlns:a14="http://schemas.microsoft.com/office/drawing/2010/main" val="0"/>
-              </a:ext>
-            </a:extLst>
-          </a:blip>
-          <a:stretch>
-            <a:fillRect/>
-          </a:stretch>
-        </p:blipFill>
-        <p:spPr>
-          <a:xfrm>
-            <a:off x="838200" y="2397226"/>
-            <a:ext cx="5181600" cy="3208135"/>
-          </a:xfrm>
-        </p:spPr>
-      </p:pic>
-      <p:pic>
-        <p:nvPicPr>
-          <p:cNvPr id="8" name="Symbol zastępczy zawartości 7">
-            <a:extLst>
-              <a:ext uri="{FF2B5EF4-FFF2-40B4-BE49-F238E27FC236}">
-                <a16:creationId xmlns:a16="http://schemas.microsoft.com/office/drawing/2014/main" id="{23F87507-0B2C-7C48-A41E-BD952A0E88C2}"/>
-              </a:ext>
-            </a:extLst>
-          </p:cNvPr>
-          <p:cNvPicPr>
-            <a:picLocks noGrp="1" noChangeAspect="1"/>
-          </p:cNvPicPr>
-          <p:nvPr>
-            <p:ph sz="half" idx="2"/>
-          </p:nvPr>
-        </p:nvPicPr>
-        <p:blipFill>
-          <a:blip r:embed="rId3">
-            <a:extLst>
-              <a:ext uri="{28A0092B-C50C-407E-A947-70E740481C1C}">
-                <a14:useLocalDpi xmlns:a14="http://schemas.microsoft.com/office/drawing/2010/main" val="0"/>
-              </a:ext>
-            </a:extLst>
-          </a:blip>
-          <a:stretch>
-            <a:fillRect/>
-          </a:stretch>
-        </p:blipFill>
-        <p:spPr>
-          <a:xfrm>
-            <a:off x="6172200" y="2533174"/>
-            <a:ext cx="5181600" cy="2936240"/>
-          </a:xfrm>
-        </p:spPr>
-      </p:pic>
-    </p:spTree>
-    <p:extLst>
-      <p:ext uri="{BB962C8B-B14F-4D97-AF65-F5344CB8AC3E}">
-        <p14:creationId xmlns:p14="http://schemas.microsoft.com/office/powerpoint/2010/main" val="170170808"/>
-      </p:ext>
-    </p:extLst>
-  </p:cSld>
-  <p:clrMapOvr>
-    <a:masterClrMapping/>
-  </p:clrMapOvr>
-</p:sld>
-</file>
-
-<file path=ppt/slides/slide23.xml><?xml version="1.0" encoding="utf-8"?>
-<p:sld xmlns:a="http://schemas.openxmlformats.org/drawingml/2006/main" xmlns:r="http://schemas.openxmlformats.org/officeDocument/2006/relationships" xmlns:p="http://schemas.openxmlformats.org/presentationml/2006/main">
-  <p:cSld>
-    <p:spTree>
-      <p:nvGrpSpPr>
-        <p:cNvPr id="1" name=""/>
-        <p:cNvGrpSpPr/>
-        <p:nvPr/>
-      </p:nvGrpSpPr>
-      <p:grpSpPr>
-        <a:xfrm>
-          <a:off x="0" y="0"/>
-          <a:ext cx="0" cy="0"/>
-          <a:chOff x="0" y="0"/>
-          <a:chExt cx="0" cy="0"/>
-        </a:xfrm>
-      </p:grpSpPr>
-      <p:sp>
-        <p:nvSpPr>
-          <p:cNvPr id="2" name="Tytuł 1">
-            <a:extLst>
-              <a:ext uri="{FF2B5EF4-FFF2-40B4-BE49-F238E27FC236}">
-                <a16:creationId xmlns:a16="http://schemas.microsoft.com/office/drawing/2014/main" id="{300589C4-2EAD-56D8-E25A-6EEEE97259EC}"/>
-              </a:ext>
-            </a:extLst>
-          </p:cNvPr>
-          <p:cNvSpPr>
-            <a:spLocks noGrp="1"/>
-          </p:cNvSpPr>
-          <p:nvPr>
-            <p:ph type="title"/>
-          </p:nvPr>
         </p:nvSpPr>
         <p:spPr/>
         <p:txBody>
@@ -5734,68 +5598,32 @@
           <a:lstStyle/>
           <a:p>
             <a:r>
+              <a:rPr lang="pl-PL" dirty="0"/>
+              <a:t>Nie radzi sobie idealnie z filmami o tej samej nazwie</a:t>
+            </a:r>
+          </a:p>
+          <a:p>
+            <a:pPr lvl="1"/>
+            <a:r>
+              <a:rPr lang="pl-PL" dirty="0"/>
+              <a:t>bierzemy najpopularniejszy</a:t>
+            </a:r>
+          </a:p>
+          <a:p>
+            <a:r>
               <a:rPr lang="pl-PL" dirty="0" err="1"/>
-              <a:t>Future</a:t>
-            </a:r>
-            <a:r>
-              <a:rPr lang="pl-PL" dirty="0"/>
-              <a:t> </a:t>
-            </a:r>
-            <a:r>
-              <a:rPr lang="pl-PL" dirty="0" err="1"/>
-              <a:t>work</a:t>
-            </a:r>
-            <a:endParaRPr lang="pl-PL" dirty="0"/>
-          </a:p>
-        </p:txBody>
-      </p:sp>
-      <p:sp>
-        <p:nvSpPr>
-          <p:cNvPr id="3" name="Symbol zastępczy zawartości 2">
-            <a:extLst>
-              <a:ext uri="{FF2B5EF4-FFF2-40B4-BE49-F238E27FC236}">
-                <a16:creationId xmlns:a16="http://schemas.microsoft.com/office/drawing/2014/main" id="{1B744D5A-2119-C4D8-6D77-A927BDDB78BF}"/>
-              </a:ext>
-            </a:extLst>
-          </p:cNvPr>
-          <p:cNvSpPr>
-            <a:spLocks noGrp="1"/>
-          </p:cNvSpPr>
-          <p:nvPr>
-            <p:ph sz="half" idx="1"/>
-          </p:nvPr>
-        </p:nvSpPr>
-        <p:spPr/>
-        <p:txBody>
-          <a:bodyPr/>
-          <a:lstStyle/>
-          <a:p>
-            <a:endParaRPr lang="pl-PL"/>
-          </a:p>
-        </p:txBody>
-      </p:sp>
-      <p:sp>
-        <p:nvSpPr>
-          <p:cNvPr id="4" name="Symbol zastępczy zawartości 3">
-            <a:extLst>
-              <a:ext uri="{FF2B5EF4-FFF2-40B4-BE49-F238E27FC236}">
-                <a16:creationId xmlns:a16="http://schemas.microsoft.com/office/drawing/2014/main" id="{57E11BE7-F99A-989D-788E-B22EA04179D6}"/>
-              </a:ext>
-            </a:extLst>
-          </p:cNvPr>
-          <p:cNvSpPr>
-            <a:spLocks noGrp="1"/>
-          </p:cNvSpPr>
-          <p:nvPr>
-            <p:ph sz="half" idx="2"/>
-          </p:nvPr>
-        </p:nvSpPr>
-        <p:spPr/>
-        <p:txBody>
-          <a:bodyPr/>
-          <a:lstStyle/>
-          <a:p>
-            <a:endParaRPr lang="pl-PL"/>
+              <a:t>Output</a:t>
+            </a:r>
+            <a:r>
+              <a:rPr lang="pl-PL" dirty="0"/>
+              <a:t> jest dobry, ale mógłby być lepszy.</a:t>
+            </a:r>
+          </a:p>
+          <a:p>
+            <a:r>
+              <a:rPr lang="pl-PL" dirty="0"/>
+              <a:t>Dane na których operujemy są przestarzałe (6 lat)</a:t>
+            </a:r>
           </a:p>
         </p:txBody>
       </p:sp>
@@ -5812,7 +5640,7 @@
 </p:sld>
 </file>
 
-<file path=ppt/slides/slide24.xml><?xml version="1.0" encoding="utf-8"?>
+<file path=ppt/slides/slide23.xml><?xml version="1.0" encoding="utf-8"?>
 <p:sld xmlns:a="http://schemas.openxmlformats.org/drawingml/2006/main" xmlns:r="http://schemas.openxmlformats.org/officeDocument/2006/relationships" xmlns:p="http://schemas.openxmlformats.org/presentationml/2006/main">
   <p:cSld>
     <p:spTree>
@@ -5892,89 +5720,6 @@
           <p:cNvPr id="2" name="Tytuł 1">
             <a:extLst>
               <a:ext uri="{FF2B5EF4-FFF2-40B4-BE49-F238E27FC236}">
-                <a16:creationId xmlns:a16="http://schemas.microsoft.com/office/drawing/2014/main" id="{517B7566-323A-CB19-55A1-FC69DE490A73}"/>
-              </a:ext>
-            </a:extLst>
-          </p:cNvPr>
-          <p:cNvSpPr>
-            <a:spLocks noGrp="1"/>
-          </p:cNvSpPr>
-          <p:nvPr>
-            <p:ph type="title"/>
-          </p:nvPr>
-        </p:nvSpPr>
-        <p:spPr/>
-        <p:txBody>
-          <a:bodyPr/>
-          <a:lstStyle/>
-          <a:p>
-            <a:r>
-              <a:rPr lang="pl-PL" dirty="0"/>
-              <a:t>Problem</a:t>
-            </a:r>
-          </a:p>
-        </p:txBody>
-      </p:sp>
-      <p:sp>
-        <p:nvSpPr>
-          <p:cNvPr id="3" name="Symbol zastępczy zawartości 2">
-            <a:extLst>
-              <a:ext uri="{FF2B5EF4-FFF2-40B4-BE49-F238E27FC236}">
-                <a16:creationId xmlns:a16="http://schemas.microsoft.com/office/drawing/2014/main" id="{F7874BCB-0F40-5A65-60D5-14FFE3A1CDA3}"/>
-              </a:ext>
-            </a:extLst>
-          </p:cNvPr>
-          <p:cNvSpPr>
-            <a:spLocks noGrp="1"/>
-          </p:cNvSpPr>
-          <p:nvPr>
-            <p:ph idx="1"/>
-          </p:nvPr>
-        </p:nvSpPr>
-        <p:spPr/>
-        <p:txBody>
-          <a:bodyPr/>
-          <a:lstStyle/>
-          <a:p>
-            <a:endParaRPr lang="pl-PL" dirty="0"/>
-          </a:p>
-        </p:txBody>
-      </p:sp>
-    </p:spTree>
-    <p:extLst>
-      <p:ext uri="{BB962C8B-B14F-4D97-AF65-F5344CB8AC3E}">
-        <p14:creationId xmlns:p14="http://schemas.microsoft.com/office/powerpoint/2010/main" val="3071491868"/>
-      </p:ext>
-    </p:extLst>
-  </p:cSld>
-  <p:clrMapOvr>
-    <a:masterClrMapping/>
-  </p:clrMapOvr>
-</p:sld>
-</file>
-
-<file path=ppt/slides/slide4.xml><?xml version="1.0" encoding="utf-8"?>
-<p:sld xmlns:a="http://schemas.openxmlformats.org/drawingml/2006/main" xmlns:r="http://schemas.openxmlformats.org/officeDocument/2006/relationships" xmlns:p="http://schemas.openxmlformats.org/presentationml/2006/main">
-  <p:cSld>
-    <p:spTree>
-      <p:nvGrpSpPr>
-        <p:cNvPr id="1" name=""/>
-        <p:cNvGrpSpPr/>
-        <p:nvPr/>
-      </p:nvGrpSpPr>
-      <p:grpSpPr>
-        <a:xfrm>
-          <a:off x="0" y="0"/>
-          <a:ext cx="0" cy="0"/>
-          <a:chOff x="0" y="0"/>
-          <a:chExt cx="0" cy="0"/>
-        </a:xfrm>
-      </p:grpSpPr>
-      <p:sp>
-        <p:nvSpPr>
-          <p:cNvPr id="2" name="Tytuł 1">
-            <a:extLst>
-              <a:ext uri="{FF2B5EF4-FFF2-40B4-BE49-F238E27FC236}">
                 <a16:creationId xmlns:a16="http://schemas.microsoft.com/office/drawing/2014/main" id="{0938F78A-55F8-8405-6BDB-FE4B1BBB50FD}"/>
               </a:ext>
             </a:extLst>
@@ -6078,7 +5823,7 @@
             <a:pPr lvl="1"/>
             <a:r>
               <a:rPr lang="pl-PL" dirty="0"/>
-              <a:t>24 kolumny z meta danymi</a:t>
+              <a:t>24 kolumny z metadanymi</a:t>
             </a:r>
           </a:p>
           <a:p>
@@ -6139,6 +5884,148 @@
 </p:sld>
 </file>
 
+<file path=ppt/slides/slide4.xml><?xml version="1.0" encoding="utf-8"?>
+<p:sld xmlns:a="http://schemas.openxmlformats.org/drawingml/2006/main" xmlns:r="http://schemas.openxmlformats.org/officeDocument/2006/relationships" xmlns:p="http://schemas.openxmlformats.org/presentationml/2006/main">
+  <p:cSld>
+    <p:spTree>
+      <p:nvGrpSpPr>
+        <p:cNvPr id="1" name=""/>
+        <p:cNvGrpSpPr/>
+        <p:nvPr/>
+      </p:nvGrpSpPr>
+      <p:grpSpPr>
+        <a:xfrm>
+          <a:off x="0" y="0"/>
+          <a:ext cx="0" cy="0"/>
+          <a:chOff x="0" y="0"/>
+          <a:chExt cx="0" cy="0"/>
+        </a:xfrm>
+      </p:grpSpPr>
+      <p:sp>
+        <p:nvSpPr>
+          <p:cNvPr id="2" name="Tytuł 1">
+            <a:extLst>
+              <a:ext uri="{FF2B5EF4-FFF2-40B4-BE49-F238E27FC236}">
+                <a16:creationId xmlns:a16="http://schemas.microsoft.com/office/drawing/2014/main" id="{05A12402-A94E-1797-2316-FE1E4DCC8A02}"/>
+              </a:ext>
+            </a:extLst>
+          </p:cNvPr>
+          <p:cNvSpPr>
+            <a:spLocks noGrp="1"/>
+          </p:cNvSpPr>
+          <p:nvPr>
+            <p:ph type="title"/>
+          </p:nvPr>
+        </p:nvSpPr>
+        <p:spPr/>
+        <p:txBody>
+          <a:bodyPr/>
+          <a:lstStyle/>
+          <a:p>
+            <a:r>
+              <a:rPr lang="pl-PL" dirty="0"/>
+              <a:t>Moduły wykorzystywane w projekcie:</a:t>
+            </a:r>
+          </a:p>
+        </p:txBody>
+      </p:sp>
+      <p:sp>
+        <p:nvSpPr>
+          <p:cNvPr id="3" name="Symbol zastępczy zawartości 2">
+            <a:extLst>
+              <a:ext uri="{FF2B5EF4-FFF2-40B4-BE49-F238E27FC236}">
+                <a16:creationId xmlns:a16="http://schemas.microsoft.com/office/drawing/2014/main" id="{CFA6E642-BAAC-1C5C-BDDE-A995765FE999}"/>
+              </a:ext>
+            </a:extLst>
+          </p:cNvPr>
+          <p:cNvSpPr>
+            <a:spLocks noGrp="1"/>
+          </p:cNvSpPr>
+          <p:nvPr>
+            <p:ph idx="1"/>
+          </p:nvPr>
+        </p:nvSpPr>
+        <p:spPr/>
+        <p:txBody>
+          <a:bodyPr/>
+          <a:lstStyle/>
+          <a:p>
+            <a:r>
+              <a:rPr lang="pl-PL" b="1" i="1" dirty="0" err="1"/>
+              <a:t>numpy</a:t>
+            </a:r>
+            <a:r>
+              <a:rPr lang="pl-PL" i="1" dirty="0"/>
+              <a:t>, </a:t>
+            </a:r>
+            <a:r>
+              <a:rPr lang="pl-PL" b="1" i="1" dirty="0" err="1"/>
+              <a:t>pandas</a:t>
+            </a:r>
+            <a:r>
+              <a:rPr lang="pl-PL" i="1" dirty="0"/>
+              <a:t> </a:t>
+            </a:r>
+            <a:r>
+              <a:rPr lang="pl-PL" dirty="0"/>
+              <a:t>- gromadzenie i porządkowanie danych</a:t>
+            </a:r>
+          </a:p>
+          <a:p>
+            <a:r>
+              <a:rPr lang="pl-PL" b="1" i="1" dirty="0" err="1"/>
+              <a:t>matplotlib.pyplot</a:t>
+            </a:r>
+            <a:r>
+              <a:rPr lang="pl-PL" b="1" i="1" dirty="0"/>
+              <a:t> </a:t>
+            </a:r>
+            <a:r>
+              <a:rPr lang="pl-PL" dirty="0"/>
+              <a:t>- wizualizacja danych</a:t>
+            </a:r>
+          </a:p>
+          <a:p>
+            <a:r>
+              <a:rPr lang="pl-PL" b="1" i="1" dirty="0" err="1"/>
+              <a:t>sklearn</a:t>
+            </a:r>
+            <a:r>
+              <a:rPr lang="pl-PL" dirty="0"/>
+              <a:t> (z pakietu </a:t>
+            </a:r>
+            <a:r>
+              <a:rPr lang="pl-PL" b="1" dirty="0" err="1"/>
+              <a:t>scikit-learn</a:t>
+            </a:r>
+            <a:r>
+              <a:rPr lang="pl-PL" dirty="0"/>
+              <a:t>) - rozbudowane narzędzie do m.in </a:t>
+            </a:r>
+            <a:r>
+              <a:rPr lang="pl-PL" i="1" dirty="0" err="1"/>
+              <a:t>machine</a:t>
+            </a:r>
+            <a:r>
+              <a:rPr lang="pl-PL" i="1" dirty="0"/>
+              <a:t> learningu</a:t>
+            </a:r>
+          </a:p>
+        </p:txBody>
+      </p:sp>
+    </p:spTree>
+    <p:extLst>
+      <p:ext uri="{BB962C8B-B14F-4D97-AF65-F5344CB8AC3E}">
+        <p14:creationId xmlns:p14="http://schemas.microsoft.com/office/powerpoint/2010/main" val="2014778697"/>
+      </p:ext>
+    </p:extLst>
+  </p:cSld>
+  <p:clrMapOvr>
+    <a:masterClrMapping/>
+  </p:clrMapOvr>
+</p:sld>
+</file>
+
 <file path=ppt/slides/slide5.xml><?xml version="1.0" encoding="utf-8"?>
 <p:sld xmlns:a="http://schemas.openxmlformats.org/drawingml/2006/main" xmlns:r="http://schemas.openxmlformats.org/officeDocument/2006/relationships" xmlns:p="http://schemas.openxmlformats.org/presentationml/2006/main">
   <p:cSld>
@@ -6161,7 +6048,7 @@
           <p:cNvPr id="2" name="Tytuł 1">
             <a:extLst>
               <a:ext uri="{FF2B5EF4-FFF2-40B4-BE49-F238E27FC236}">
-                <a16:creationId xmlns:a16="http://schemas.microsoft.com/office/drawing/2014/main" id="{05A12402-A94E-1797-2316-FE1E4DCC8A02}"/>
+                <a16:creationId xmlns:a16="http://schemas.microsoft.com/office/drawing/2014/main" id="{AEA1C497-E5BD-6464-F7B0-4BF724B64ACE}"/>
               </a:ext>
             </a:extLst>
           </p:cNvPr>
@@ -6179,99 +6066,176 @@
           <a:p>
             <a:r>
               <a:rPr lang="pl-PL" dirty="0"/>
-              <a:t>Moduły wykorzystywane w projekcie:</a:t>
-            </a:r>
-          </a:p>
-        </p:txBody>
-      </p:sp>
-      <p:sp>
-        <p:nvSpPr>
-          <p:cNvPr id="3" name="Symbol zastępczy zawartości 2">
-            <a:extLst>
-              <a:ext uri="{FF2B5EF4-FFF2-40B4-BE49-F238E27FC236}">
-                <a16:creationId xmlns:a16="http://schemas.microsoft.com/office/drawing/2014/main" id="{CFA6E642-BAAC-1C5C-BDDE-A995765FE999}"/>
-              </a:ext>
-            </a:extLst>
-          </p:cNvPr>
-          <p:cNvSpPr>
-            <a:spLocks noGrp="1"/>
-          </p:cNvSpPr>
-          <p:nvPr>
-            <p:ph idx="1"/>
-          </p:nvPr>
-        </p:nvSpPr>
-        <p:spPr/>
-        <p:txBody>
-          <a:bodyPr/>
-          <a:lstStyle/>
-          <a:p>
-            <a:r>
-              <a:rPr lang="pl-PL" i="1" dirty="0" err="1"/>
-              <a:t>numpy</a:t>
-            </a:r>
-            <a:r>
-              <a:rPr lang="pl-PL" i="1" dirty="0"/>
-              <a:t>, </a:t>
-            </a:r>
-            <a:r>
-              <a:rPr lang="pl-PL" i="1" dirty="0" err="1"/>
-              <a:t>pandas</a:t>
-            </a:r>
-            <a:r>
-              <a:rPr lang="pl-PL" i="1" dirty="0"/>
-              <a:t> </a:t>
-            </a:r>
-            <a:r>
-              <a:rPr lang="pl-PL" dirty="0"/>
-              <a:t>- gromadzenie i porządkowanie danych</a:t>
-            </a:r>
-          </a:p>
-          <a:p>
-            <a:r>
-              <a:rPr lang="pl-PL" i="1" dirty="0" err="1"/>
-              <a:t>matplotlib.pyplot</a:t>
-            </a:r>
-            <a:r>
-              <a:rPr lang="pl-PL" i="1" dirty="0"/>
-              <a:t> </a:t>
-            </a:r>
-            <a:r>
-              <a:rPr lang="pl-PL" dirty="0"/>
-              <a:t>- wizualizacja danych</a:t>
-            </a:r>
-          </a:p>
-          <a:p>
-            <a:r>
-              <a:rPr lang="pl-PL" i="1" dirty="0" err="1"/>
-              <a:t>sklearn</a:t>
-            </a:r>
-            <a:r>
-              <a:rPr lang="pl-PL" dirty="0"/>
-              <a:t> (z pakietu </a:t>
-            </a:r>
-            <a:r>
-              <a:rPr lang="pl-PL" dirty="0" err="1"/>
-              <a:t>scikit-learn</a:t>
-            </a:r>
-            <a:r>
-              <a:rPr lang="pl-PL" dirty="0"/>
-              <a:t>) - rozbudowane narzędzie do m.in </a:t>
-            </a:r>
-            <a:r>
-              <a:rPr lang="pl-PL" b="1" dirty="0" err="1"/>
-              <a:t>machine</a:t>
-            </a:r>
-            <a:r>
-              <a:rPr lang="pl-PL" b="1" dirty="0"/>
-              <a:t> learningu</a:t>
-            </a:r>
-          </a:p>
-        </p:txBody>
-      </p:sp>
+              <a:t>Eksploracja danych</a:t>
+            </a:r>
+          </a:p>
+        </p:txBody>
+      </p:sp>
+      <p:sp>
+        <p:nvSpPr>
+          <p:cNvPr id="6" name="Symbol zastępczy tekstu 5">
+            <a:extLst>
+              <a:ext uri="{FF2B5EF4-FFF2-40B4-BE49-F238E27FC236}">
+                <a16:creationId xmlns:a16="http://schemas.microsoft.com/office/drawing/2014/main" id="{5371630A-55E7-2244-7D05-8D8E3BBEE4E7}"/>
+              </a:ext>
+            </a:extLst>
+          </p:cNvPr>
+          <p:cNvSpPr>
+            <a:spLocks noGrp="1"/>
+          </p:cNvSpPr>
+          <p:nvPr>
+            <p:ph type="body" idx="1"/>
+          </p:nvPr>
+        </p:nvSpPr>
+        <p:spPr>
+          <a:xfrm>
+            <a:off x="839788" y="2089149"/>
+            <a:ext cx="5157787" cy="415925"/>
+          </a:xfrm>
+        </p:spPr>
+        <p:txBody>
+          <a:bodyPr>
+            <a:normAutofit/>
+          </a:bodyPr>
+          <a:lstStyle/>
+          <a:p>
+            <a:r>
+              <a:rPr lang="pl-PL" sz="1600" dirty="0"/>
+              <a:t>Input</a:t>
+            </a:r>
+          </a:p>
+        </p:txBody>
+      </p:sp>
+      <p:sp>
+        <p:nvSpPr>
+          <p:cNvPr id="7" name="Symbol zastępczy tekstu 6">
+            <a:extLst>
+              <a:ext uri="{FF2B5EF4-FFF2-40B4-BE49-F238E27FC236}">
+                <a16:creationId xmlns:a16="http://schemas.microsoft.com/office/drawing/2014/main" id="{B08CAEEB-4AE5-08BC-AF2D-132327B00CD6}"/>
+              </a:ext>
+            </a:extLst>
+          </p:cNvPr>
+          <p:cNvSpPr>
+            <a:spLocks noGrp="1"/>
+          </p:cNvSpPr>
+          <p:nvPr>
+            <p:ph type="body" sz="quarter" idx="3"/>
+          </p:nvPr>
+        </p:nvSpPr>
+        <p:spPr>
+          <a:xfrm>
+            <a:off x="6172200" y="2089149"/>
+            <a:ext cx="5183188" cy="415925"/>
+          </a:xfrm>
+        </p:spPr>
+        <p:txBody>
+          <a:bodyPr>
+            <a:normAutofit/>
+          </a:bodyPr>
+          <a:lstStyle/>
+          <a:p>
+            <a:r>
+              <a:rPr lang="pl-PL" sz="1600" dirty="0" err="1"/>
+              <a:t>Output</a:t>
+            </a:r>
+            <a:endParaRPr lang="pl-PL" sz="1600" dirty="0"/>
+          </a:p>
+        </p:txBody>
+      </p:sp>
+      <p:pic>
+        <p:nvPicPr>
+          <p:cNvPr id="8" name="Obraz 7">
+            <a:extLst>
+              <a:ext uri="{FF2B5EF4-FFF2-40B4-BE49-F238E27FC236}">
+                <a16:creationId xmlns:a16="http://schemas.microsoft.com/office/drawing/2014/main" id="{3C9D2A05-E13B-36E4-A424-1062A5607625}"/>
+              </a:ext>
+            </a:extLst>
+          </p:cNvPr>
+          <p:cNvPicPr>
+            <a:picLocks noChangeAspect="1"/>
+          </p:cNvPicPr>
+          <p:nvPr/>
+        </p:nvPicPr>
+        <p:blipFill>
+          <a:blip r:embed="rId2"/>
+          <a:stretch>
+            <a:fillRect/>
+          </a:stretch>
+        </p:blipFill>
+        <p:spPr>
+          <a:xfrm>
+            <a:off x="9008911" y="2505074"/>
+            <a:ext cx="2138362" cy="3118262"/>
+          </a:xfrm>
+          <a:prstGeom prst="rect">
+            <a:avLst/>
+          </a:prstGeom>
+        </p:spPr>
+      </p:pic>
+      <p:pic>
+        <p:nvPicPr>
+          <p:cNvPr id="11" name="Obraz 10">
+            <a:extLst>
+              <a:ext uri="{FF2B5EF4-FFF2-40B4-BE49-F238E27FC236}">
+                <a16:creationId xmlns:a16="http://schemas.microsoft.com/office/drawing/2014/main" id="{46A697FC-23FF-CA06-9A6A-A9AD66BB5327}"/>
+              </a:ext>
+            </a:extLst>
+          </p:cNvPr>
+          <p:cNvPicPr>
+            <a:picLocks noChangeAspect="1"/>
+          </p:cNvPicPr>
+          <p:nvPr/>
+        </p:nvPicPr>
+        <p:blipFill>
+          <a:blip r:embed="rId3"/>
+          <a:stretch>
+            <a:fillRect/>
+          </a:stretch>
+        </p:blipFill>
+        <p:spPr>
+          <a:xfrm>
+            <a:off x="6263552" y="2508804"/>
+            <a:ext cx="2479382" cy="3118262"/>
+          </a:xfrm>
+          <a:prstGeom prst="rect">
+            <a:avLst/>
+          </a:prstGeom>
+        </p:spPr>
+      </p:pic>
+      <p:pic>
+        <p:nvPicPr>
+          <p:cNvPr id="14" name="Obraz 13">
+            <a:extLst>
+              <a:ext uri="{FF2B5EF4-FFF2-40B4-BE49-F238E27FC236}">
+                <a16:creationId xmlns:a16="http://schemas.microsoft.com/office/drawing/2014/main" id="{46E4F9FD-A46A-23B1-73EF-E84A8AC07CC2}"/>
+              </a:ext>
+            </a:extLst>
+          </p:cNvPr>
+          <p:cNvPicPr>
+            <a:picLocks noChangeAspect="1"/>
+          </p:cNvPicPr>
+          <p:nvPr/>
+        </p:nvPicPr>
+        <p:blipFill>
+          <a:blip r:embed="rId4"/>
+          <a:stretch>
+            <a:fillRect/>
+          </a:stretch>
+        </p:blipFill>
+        <p:spPr>
+          <a:xfrm>
+            <a:off x="925385" y="2505075"/>
+            <a:ext cx="4240631" cy="923926"/>
+          </a:xfrm>
+          <a:prstGeom prst="rect">
+            <a:avLst/>
+          </a:prstGeom>
+        </p:spPr>
+      </p:pic>
     </p:spTree>
     <p:extLst>
       <p:ext uri="{BB962C8B-B14F-4D97-AF65-F5344CB8AC3E}">
-        <p14:creationId xmlns:p14="http://schemas.microsoft.com/office/powerpoint/2010/main" val="2014778697"/>
+        <p14:creationId xmlns:p14="http://schemas.microsoft.com/office/powerpoint/2010/main" val="1956145515"/>
       </p:ext>
     </p:extLst>
   </p:cSld>
@@ -6300,123 +6264,6 @@
       </p:grpSpPr>
       <p:sp>
         <p:nvSpPr>
-          <p:cNvPr id="2" name="Tytuł 1">
-            <a:extLst>
-              <a:ext uri="{FF2B5EF4-FFF2-40B4-BE49-F238E27FC236}">
-                <a16:creationId xmlns:a16="http://schemas.microsoft.com/office/drawing/2014/main" id="{AEA1C497-E5BD-6464-F7B0-4BF724B64ACE}"/>
-              </a:ext>
-            </a:extLst>
-          </p:cNvPr>
-          <p:cNvSpPr>
-            <a:spLocks noGrp="1"/>
-          </p:cNvSpPr>
-          <p:nvPr>
-            <p:ph type="title"/>
-          </p:nvPr>
-        </p:nvSpPr>
-        <p:spPr/>
-        <p:txBody>
-          <a:bodyPr/>
-          <a:lstStyle/>
-          <a:p>
-            <a:r>
-              <a:rPr lang="pl-PL" dirty="0"/>
-              <a:t>Eksploracja danych</a:t>
-            </a:r>
-          </a:p>
-        </p:txBody>
-      </p:sp>
-      <p:pic>
-        <p:nvPicPr>
-          <p:cNvPr id="8" name="Obraz 7">
-            <a:extLst>
-              <a:ext uri="{FF2B5EF4-FFF2-40B4-BE49-F238E27FC236}">
-                <a16:creationId xmlns:a16="http://schemas.microsoft.com/office/drawing/2014/main" id="{3C9D2A05-E13B-36E4-A424-1062A5607625}"/>
-              </a:ext>
-            </a:extLst>
-          </p:cNvPr>
-          <p:cNvPicPr>
-            <a:picLocks noChangeAspect="1"/>
-          </p:cNvPicPr>
-          <p:nvPr/>
-        </p:nvPicPr>
-        <p:blipFill>
-          <a:blip r:embed="rId2"/>
-          <a:stretch>
-            <a:fillRect/>
-          </a:stretch>
-        </p:blipFill>
-        <p:spPr>
-          <a:xfrm>
-            <a:off x="7522836" y="110887"/>
-            <a:ext cx="4550820" cy="6636226"/>
-          </a:xfrm>
-          <a:prstGeom prst="rect">
-            <a:avLst/>
-          </a:prstGeom>
-        </p:spPr>
-      </p:pic>
-      <p:pic>
-        <p:nvPicPr>
-          <p:cNvPr id="12" name="Symbol zastępczy zawartości 11">
-            <a:extLst>
-              <a:ext uri="{FF2B5EF4-FFF2-40B4-BE49-F238E27FC236}">
-                <a16:creationId xmlns:a16="http://schemas.microsoft.com/office/drawing/2014/main" id="{39B0A87A-9FAE-E855-DE69-358D7D8B2DE8}"/>
-              </a:ext>
-            </a:extLst>
-          </p:cNvPr>
-          <p:cNvPicPr>
-            <a:picLocks noGrp="1" noChangeAspect="1"/>
-          </p:cNvPicPr>
-          <p:nvPr>
-            <p:ph sz="half" idx="1"/>
-          </p:nvPr>
-        </p:nvPicPr>
-        <p:blipFill>
-          <a:blip r:embed="rId3"/>
-          <a:stretch>
-            <a:fillRect/>
-          </a:stretch>
-        </p:blipFill>
-        <p:spPr>
-          <a:xfrm>
-            <a:off x="914400" y="1690688"/>
-            <a:ext cx="5181600" cy="753687"/>
-          </a:xfrm>
-        </p:spPr>
-      </p:pic>
-    </p:spTree>
-    <p:extLst>
-      <p:ext uri="{BB962C8B-B14F-4D97-AF65-F5344CB8AC3E}">
-        <p14:creationId xmlns:p14="http://schemas.microsoft.com/office/powerpoint/2010/main" val="1956145515"/>
-      </p:ext>
-    </p:extLst>
-  </p:cSld>
-  <p:clrMapOvr>
-    <a:masterClrMapping/>
-  </p:clrMapOvr>
-</p:sld>
-</file>
-
-<file path=ppt/slides/slide7.xml><?xml version="1.0" encoding="utf-8"?>
-<p:sld xmlns:a="http://schemas.openxmlformats.org/drawingml/2006/main" xmlns:r="http://schemas.openxmlformats.org/officeDocument/2006/relationships" xmlns:p="http://schemas.openxmlformats.org/presentationml/2006/main">
-  <p:cSld>
-    <p:spTree>
-      <p:nvGrpSpPr>
-        <p:cNvPr id="1" name=""/>
-        <p:cNvGrpSpPr/>
-        <p:nvPr/>
-      </p:nvGrpSpPr>
-      <p:grpSpPr>
-        <a:xfrm>
-          <a:off x="0" y="0"/>
-          <a:ext cx="0" cy="0"/>
-          <a:chOff x="0" y="0"/>
-          <a:chExt cx="0" cy="0"/>
-        </a:xfrm>
-      </p:grpSpPr>
-      <p:sp>
-        <p:nvSpPr>
           <p:cNvPr id="17" name="Tytuł 16">
             <a:extLst>
               <a:ext uri="{FF2B5EF4-FFF2-40B4-BE49-F238E27FC236}">
@@ -6440,7 +6287,10 @@
               <a:rPr lang="pl-PL" dirty="0" err="1"/>
               <a:t>Preprocessing</a:t>
             </a:r>
-            <a:endParaRPr lang="pl-PL" dirty="0"/>
+            <a:r>
+              <a:rPr lang="pl-PL" dirty="0"/>
+              <a:t> – wybranie przydatnych cech</a:t>
+            </a:r>
           </a:p>
         </p:txBody>
       </p:sp>
@@ -6472,7 +6322,26 @@
           <a:p>
             <a:r>
               <a:rPr lang="pl-PL" dirty="0"/>
-              <a:t>…</a:t>
+              <a:t>Tytuł</a:t>
+            </a:r>
+          </a:p>
+          <a:p>
+            <a:r>
+              <a:rPr lang="pl-PL" dirty="0"/>
+              <a:t>Opis</a:t>
+            </a:r>
+          </a:p>
+          <a:p>
+            <a:r>
+              <a:rPr lang="pl-PL" dirty="0" err="1"/>
+              <a:t>Imdb_id</a:t>
+            </a:r>
+            <a:endParaRPr lang="pl-PL" dirty="0"/>
+          </a:p>
+          <a:p>
+            <a:r>
+              <a:rPr lang="pl-PL" dirty="0"/>
+              <a:t>Popularność</a:t>
             </a:r>
           </a:p>
         </p:txBody>
@@ -6520,7 +6389,7 @@
 </p:sld>
 </file>
 
-<file path=ppt/slides/slide8.xml><?xml version="1.0" encoding="utf-8"?>
+<file path=ppt/slides/slide7.xml><?xml version="1.0" encoding="utf-8"?>
 <p:sld xmlns:a="http://schemas.openxmlformats.org/drawingml/2006/main" xmlns:r="http://schemas.openxmlformats.org/officeDocument/2006/relationships" xmlns:p="http://schemas.openxmlformats.org/presentationml/2006/main">
   <p:cSld>
     <p:spTree>
@@ -6562,35 +6431,112 @@
               <a:rPr lang="pl-PL" dirty="0" err="1"/>
               <a:t>Preprocessing</a:t>
             </a:r>
+            <a:r>
+              <a:rPr lang="pl-PL" dirty="0"/>
+              <a:t> – usunięcie pustych wartości</a:t>
+            </a:r>
+          </a:p>
+        </p:txBody>
+      </p:sp>
+      <p:sp>
+        <p:nvSpPr>
+          <p:cNvPr id="4" name="Symbol zastępczy zawartości 3">
+            <a:extLst>
+              <a:ext uri="{FF2B5EF4-FFF2-40B4-BE49-F238E27FC236}">
+                <a16:creationId xmlns:a16="http://schemas.microsoft.com/office/drawing/2014/main" id="{00E84FB4-C589-822C-61E9-3596FB826EA3}"/>
+              </a:ext>
+            </a:extLst>
+          </p:cNvPr>
+          <p:cNvSpPr>
+            <a:spLocks noGrp="1"/>
+          </p:cNvSpPr>
+          <p:nvPr>
+            <p:ph sz="half" idx="1"/>
+          </p:nvPr>
+        </p:nvSpPr>
+        <p:spPr>
+          <a:xfrm>
+            <a:off x="838200" y="1825625"/>
+            <a:ext cx="6242050" cy="4351338"/>
+          </a:xfrm>
+        </p:spPr>
+        <p:txBody>
+          <a:bodyPr>
+            <a:normAutofit/>
+          </a:bodyPr>
+          <a:lstStyle/>
+          <a:p>
+            <a:r>
+              <a:rPr lang="pl-PL" dirty="0"/>
+              <a:t>Brakuje:</a:t>
+            </a:r>
+          </a:p>
+          <a:p>
+            <a:pPr lvl="1"/>
+            <a:r>
+              <a:rPr lang="pl-PL" dirty="0"/>
+              <a:t>tytułów (6)</a:t>
+            </a:r>
+          </a:p>
+          <a:p>
+            <a:pPr lvl="1"/>
+            <a:r>
+              <a:rPr lang="pl-PL" dirty="0"/>
+              <a:t>opisów </a:t>
+            </a:r>
+            <a:r>
+              <a:rPr lang="pl-PL" b="1" dirty="0"/>
+              <a:t>(954)</a:t>
+            </a:r>
+          </a:p>
+          <a:p>
+            <a:pPr lvl="1"/>
+            <a:r>
+              <a:rPr lang="pl-PL" dirty="0" err="1"/>
+              <a:t>Imdb_id</a:t>
+            </a:r>
+            <a:r>
+              <a:rPr lang="pl-PL" dirty="0"/>
+              <a:t> (17)</a:t>
+            </a:r>
+          </a:p>
+          <a:p>
+            <a:pPr lvl="1"/>
+            <a:r>
+              <a:rPr lang="pl-PL" dirty="0"/>
+              <a:t>wskaźnika popularności (5)</a:t>
+            </a:r>
+          </a:p>
+          <a:p>
+            <a:pPr marL="0" indent="0">
+              <a:buNone/>
+            </a:pPr>
             <a:endParaRPr lang="pl-PL" dirty="0"/>
           </a:p>
-        </p:txBody>
-      </p:sp>
-      <p:sp>
-        <p:nvSpPr>
-          <p:cNvPr id="4" name="Symbol zastępczy zawartości 3">
-            <a:extLst>
-              <a:ext uri="{FF2B5EF4-FFF2-40B4-BE49-F238E27FC236}">
-                <a16:creationId xmlns:a16="http://schemas.microsoft.com/office/drawing/2014/main" id="{00E84FB4-C589-822C-61E9-3596FB826EA3}"/>
-              </a:ext>
-            </a:extLst>
-          </p:cNvPr>
-          <p:cNvSpPr>
-            <a:spLocks noGrp="1"/>
-          </p:cNvSpPr>
-          <p:nvPr>
-            <p:ph sz="half" idx="1"/>
-          </p:nvPr>
-        </p:nvSpPr>
-        <p:spPr/>
-        <p:txBody>
-          <a:bodyPr/>
-          <a:lstStyle/>
-          <a:p>
-            <a:r>
-              <a:rPr lang="pl-PL" dirty="0"/>
-              <a:t>Puste wartości</a:t>
-            </a:r>
+          <a:p>
+            <a:r>
+              <a:rPr lang="pl-PL" dirty="0"/>
+              <a:t>Wiersze przed czyszczeniem: 45 466</a:t>
+            </a:r>
+          </a:p>
+          <a:p>
+            <a:r>
+              <a:rPr lang="pl-PL" dirty="0"/>
+              <a:t>Wiersze po czyszczeniu: 44 491</a:t>
+            </a:r>
+          </a:p>
+          <a:p>
+            <a:r>
+              <a:rPr lang="pl-PL" dirty="0"/>
+              <a:t>45 466 – 44 491 = </a:t>
+            </a:r>
+            <a:r>
+              <a:rPr lang="pl-PL" b="1" dirty="0"/>
+              <a:t>975</a:t>
+            </a:r>
+          </a:p>
+          <a:p>
+            <a:endParaRPr lang="pl-PL" b="1" dirty="0"/>
           </a:p>
         </p:txBody>
       </p:sp>
@@ -6636,7 +6582,7 @@
 </p:sld>
 </file>
 
-<file path=ppt/slides/slide9.xml><?xml version="1.0" encoding="utf-8"?>
+<file path=ppt/slides/slide8.xml><?xml version="1.0" encoding="utf-8"?>
 <p:sld xmlns:a="http://schemas.openxmlformats.org/drawingml/2006/main" xmlns:r="http://schemas.openxmlformats.org/officeDocument/2006/relationships" xmlns:p="http://schemas.openxmlformats.org/presentationml/2006/main">
   <p:cSld>
     <p:spTree>
@@ -6678,35 +6624,55 @@
               <a:rPr lang="pl-PL" dirty="0" err="1"/>
               <a:t>Preprocessing</a:t>
             </a:r>
+            <a:r>
+              <a:rPr lang="pl-PL" dirty="0"/>
+              <a:t> - duplikaty</a:t>
+            </a:r>
+          </a:p>
+        </p:txBody>
+      </p:sp>
+      <p:sp>
+        <p:nvSpPr>
+          <p:cNvPr id="4" name="Symbol zastępczy zawartości 3">
+            <a:extLst>
+              <a:ext uri="{FF2B5EF4-FFF2-40B4-BE49-F238E27FC236}">
+                <a16:creationId xmlns:a16="http://schemas.microsoft.com/office/drawing/2014/main" id="{00E84FB4-C589-822C-61E9-3596FB826EA3}"/>
+              </a:ext>
+            </a:extLst>
+          </p:cNvPr>
+          <p:cNvSpPr>
+            <a:spLocks noGrp="1"/>
+          </p:cNvSpPr>
+          <p:nvPr>
+            <p:ph sz="half" idx="1"/>
+          </p:nvPr>
+        </p:nvSpPr>
+        <p:spPr/>
+        <p:txBody>
+          <a:bodyPr/>
+          <a:lstStyle/>
+          <a:p>
+            <a:r>
+              <a:rPr lang="pl-PL" dirty="0"/>
+              <a:t>Zakładamy, że nie istnieją dwa takie same filmy o takim samym </a:t>
+            </a:r>
+            <a:r>
+              <a:rPr lang="pl-PL" dirty="0" err="1"/>
+              <a:t>imdb_id</a:t>
+            </a:r>
             <a:endParaRPr lang="pl-PL" dirty="0"/>
           </a:p>
-        </p:txBody>
-      </p:sp>
-      <p:sp>
-        <p:nvSpPr>
-          <p:cNvPr id="4" name="Symbol zastępczy zawartości 3">
-            <a:extLst>
-              <a:ext uri="{FF2B5EF4-FFF2-40B4-BE49-F238E27FC236}">
-                <a16:creationId xmlns:a16="http://schemas.microsoft.com/office/drawing/2014/main" id="{00E84FB4-C589-822C-61E9-3596FB826EA3}"/>
-              </a:ext>
-            </a:extLst>
-          </p:cNvPr>
-          <p:cNvSpPr>
-            <a:spLocks noGrp="1"/>
-          </p:cNvSpPr>
-          <p:nvPr>
-            <p:ph sz="half" idx="1"/>
-          </p:nvPr>
-        </p:nvSpPr>
-        <p:spPr/>
-        <p:txBody>
-          <a:bodyPr/>
-          <a:lstStyle/>
-          <a:p>
-            <a:r>
-              <a:rPr lang="pl-PL" dirty="0"/>
-              <a:t>Duplikaty</a:t>
-            </a:r>
+          <a:p>
+            <a:pPr lvl="1"/>
+            <a:r>
+              <a:rPr lang="pl-PL" b="1" dirty="0"/>
+              <a:t>po to oszczędziliśmy kolumnę </a:t>
+            </a:r>
+            <a:r>
+              <a:rPr lang="pl-PL" b="1" dirty="0" err="1"/>
+              <a:t>imdb_id</a:t>
+            </a:r>
+            <a:endParaRPr lang="pl-PL" b="1" dirty="0"/>
           </a:p>
           <a:p>
             <a:endParaRPr lang="pl-PL" dirty="0"/>
@@ -6776,6 +6742,132 @@
     <p:extLst>
       <p:ext uri="{BB962C8B-B14F-4D97-AF65-F5344CB8AC3E}">
         <p14:creationId xmlns:p14="http://schemas.microsoft.com/office/powerpoint/2010/main" val="3695505792"/>
+      </p:ext>
+    </p:extLst>
+  </p:cSld>
+  <p:clrMapOvr>
+    <a:masterClrMapping/>
+  </p:clrMapOvr>
+</p:sld>
+</file>
+
+<file path=ppt/slides/slide9.xml><?xml version="1.0" encoding="utf-8"?>
+<p:sld xmlns:a="http://schemas.openxmlformats.org/drawingml/2006/main" xmlns:r="http://schemas.openxmlformats.org/officeDocument/2006/relationships" xmlns:p="http://schemas.openxmlformats.org/presentationml/2006/main">
+  <p:cSld>
+    <p:spTree>
+      <p:nvGrpSpPr>
+        <p:cNvPr id="1" name=""/>
+        <p:cNvGrpSpPr/>
+        <p:nvPr/>
+      </p:nvGrpSpPr>
+      <p:grpSpPr>
+        <a:xfrm>
+          <a:off x="0" y="0"/>
+          <a:ext cx="0" cy="0"/>
+          <a:chOff x="0" y="0"/>
+          <a:chExt cx="0" cy="0"/>
+        </a:xfrm>
+      </p:grpSpPr>
+      <p:sp>
+        <p:nvSpPr>
+          <p:cNvPr id="2" name="Tytuł 1">
+            <a:extLst>
+              <a:ext uri="{FF2B5EF4-FFF2-40B4-BE49-F238E27FC236}">
+                <a16:creationId xmlns:a16="http://schemas.microsoft.com/office/drawing/2014/main" id="{97F3000C-FB9E-3211-A9F6-933892179C5A}"/>
+              </a:ext>
+            </a:extLst>
+          </p:cNvPr>
+          <p:cNvSpPr>
+            <a:spLocks noGrp="1"/>
+          </p:cNvSpPr>
+          <p:nvPr>
+            <p:ph type="title"/>
+          </p:nvPr>
+        </p:nvSpPr>
+        <p:spPr/>
+        <p:txBody>
+          <a:bodyPr/>
+          <a:lstStyle/>
+          <a:p>
+            <a:r>
+              <a:rPr lang="pl-PL" dirty="0"/>
+              <a:t>Efekt </a:t>
+            </a:r>
+            <a:r>
+              <a:rPr lang="pl-PL" dirty="0" err="1"/>
+              <a:t>preprocessingu</a:t>
+            </a:r>
+            <a:endParaRPr lang="pl-PL" dirty="0"/>
+          </a:p>
+        </p:txBody>
+      </p:sp>
+      <p:pic>
+        <p:nvPicPr>
+          <p:cNvPr id="6" name="Symbol zastępczy zawartości 5">
+            <a:extLst>
+              <a:ext uri="{FF2B5EF4-FFF2-40B4-BE49-F238E27FC236}">
+                <a16:creationId xmlns:a16="http://schemas.microsoft.com/office/drawing/2014/main" id="{9FF8D7C6-FA7F-2ACE-137D-E898D8CB7D5C}"/>
+              </a:ext>
+            </a:extLst>
+          </p:cNvPr>
+          <p:cNvPicPr>
+            <a:picLocks noGrp="1" noChangeAspect="1"/>
+          </p:cNvPicPr>
+          <p:nvPr>
+            <p:ph sz="half" idx="1"/>
+          </p:nvPr>
+        </p:nvPicPr>
+        <p:blipFill>
+          <a:blip r:embed="rId2">
+            <a:extLst>
+              <a:ext uri="{28A0092B-C50C-407E-A947-70E740481C1C}">
+                <a14:useLocalDpi xmlns:a14="http://schemas.microsoft.com/office/drawing/2010/main" val="0"/>
+              </a:ext>
+            </a:extLst>
+          </a:blip>
+          <a:stretch>
+            <a:fillRect/>
+          </a:stretch>
+        </p:blipFill>
+        <p:spPr>
+          <a:xfrm>
+            <a:off x="838200" y="2058194"/>
+            <a:ext cx="5181600" cy="3886200"/>
+          </a:xfrm>
+        </p:spPr>
+      </p:pic>
+      <p:sp>
+        <p:nvSpPr>
+          <p:cNvPr id="4" name="Symbol zastępczy zawartości 3">
+            <a:extLst>
+              <a:ext uri="{FF2B5EF4-FFF2-40B4-BE49-F238E27FC236}">
+                <a16:creationId xmlns:a16="http://schemas.microsoft.com/office/drawing/2014/main" id="{662329A5-5901-986B-B50D-579382C54EDA}"/>
+              </a:ext>
+            </a:extLst>
+          </p:cNvPr>
+          <p:cNvSpPr>
+            <a:spLocks noGrp="1"/>
+          </p:cNvSpPr>
+          <p:nvPr>
+            <p:ph sz="half" idx="2"/>
+          </p:nvPr>
+        </p:nvSpPr>
+        <p:spPr/>
+        <p:txBody>
+          <a:bodyPr/>
+          <a:lstStyle/>
+          <a:p>
+            <a:r>
+              <a:rPr lang="pl-PL" dirty="0"/>
+              <a:t>MUSZĘ POPRAWIĆ TEN WYKRES BO SIĘ LICZBY NIE ZGADZAJĄ A TERAZ MI SIĘ NIE CHCE TEGO OGARNIAĆ. NIE ZMIENI TO JEDNAK WYGLĄDU SLAJDU WIĘC MOŻESZ DZIAŁAĆ XD</a:t>
+            </a:r>
+          </a:p>
+        </p:txBody>
+      </p:sp>
+    </p:spTree>
+    <p:extLst>
+      <p:ext uri="{BB962C8B-B14F-4D97-AF65-F5344CB8AC3E}">
+        <p14:creationId xmlns:p14="http://schemas.microsoft.com/office/powerpoint/2010/main" val="111819533"/>
       </p:ext>
     </p:extLst>
   </p:cSld>
